--- a/Spring3.x/IoC机制原理.pptx
+++ b/Spring3.x/IoC机制原理.pptx
@@ -18,11 +18,21 @@
     <p:sldId id="267" r:id="rId12"/>
     <p:sldId id="273" r:id="rId13"/>
     <p:sldId id="268" r:id="rId14"/>
-    <p:sldId id="269" r:id="rId15"/>
-    <p:sldId id="270" r:id="rId16"/>
-    <p:sldId id="271" r:id="rId17"/>
-    <p:sldId id="272" r:id="rId18"/>
-    <p:sldId id="265" r:id="rId19"/>
+    <p:sldId id="286" r:id="rId15"/>
+    <p:sldId id="287" r:id="rId16"/>
+    <p:sldId id="288" r:id="rId17"/>
+    <p:sldId id="269" r:id="rId18"/>
+    <p:sldId id="270" r:id="rId19"/>
+    <p:sldId id="289" r:id="rId20"/>
+    <p:sldId id="290" r:id="rId21"/>
+    <p:sldId id="291" r:id="rId22"/>
+    <p:sldId id="292" r:id="rId23"/>
+    <p:sldId id="293" r:id="rId24"/>
+    <p:sldId id="294" r:id="rId25"/>
+    <p:sldId id="295" r:id="rId26"/>
+    <p:sldId id="271" r:id="rId27"/>
+    <p:sldId id="272" r:id="rId28"/>
+    <p:sldId id="265" r:id="rId29"/>
   </p:sldIdLst>
   <p:sldSz cx="12192000" cy="6858000"/>
   <p:notesSz cx="6858000" cy="9144000"/>
@@ -121,6 +131,11 @@
       </a:defRPr>
     </a:lvl9pPr>
   </p:defaultTextStyle>
+  <p:extLst>
+    <p:ext uri="{EFAFB233-063F-42B5-8137-9DF3F51BA10A}">
+      <p15:sldGuideLst xmlns:p15="http://schemas.microsoft.com/office/powerpoint/2012/main"/>
+    </p:ext>
+  </p:extLst>
 </p:presentation>
 </file>
 
@@ -310,7 +325,7 @@
           <a:p>
             <a:fld id="{379610A7-FF29-4931-944A-8C7998D42CB5}" type="datetimeFigureOut">
               <a:rPr lang="zh-CN" altLang="en-US" smtClean="0"/>
-              <a:t>2017/2/19</a:t>
+              <a:t>2017/2/28</a:t>
             </a:fld>
             <a:endParaRPr lang="zh-CN" altLang="en-US"/>
           </a:p>
@@ -585,7 +600,7 @@
           <a:p>
             <a:fld id="{379610A7-FF29-4931-944A-8C7998D42CB5}" type="datetimeFigureOut">
               <a:rPr lang="zh-CN" altLang="en-US" smtClean="0"/>
-              <a:t>2017/2/19</a:t>
+              <a:t>2017/2/28</a:t>
             </a:fld>
             <a:endParaRPr lang="zh-CN" altLang="en-US"/>
           </a:p>
@@ -779,7 +794,7 @@
           <a:p>
             <a:fld id="{379610A7-FF29-4931-944A-8C7998D42CB5}" type="datetimeFigureOut">
               <a:rPr lang="zh-CN" altLang="en-US" smtClean="0"/>
-              <a:t>2017/2/19</a:t>
+              <a:t>2017/2/28</a:t>
             </a:fld>
             <a:endParaRPr lang="zh-CN" altLang="en-US"/>
           </a:p>
@@ -1052,7 +1067,7 @@
           <a:p>
             <a:fld id="{379610A7-FF29-4931-944A-8C7998D42CB5}" type="datetimeFigureOut">
               <a:rPr lang="zh-CN" altLang="en-US" smtClean="0"/>
-              <a:t>2017/2/19</a:t>
+              <a:t>2017/2/28</a:t>
             </a:fld>
             <a:endParaRPr lang="zh-CN" altLang="en-US"/>
           </a:p>
@@ -1393,7 +1408,7 @@
           <a:p>
             <a:fld id="{379610A7-FF29-4931-944A-8C7998D42CB5}" type="datetimeFigureOut">
               <a:rPr lang="zh-CN" altLang="en-US" smtClean="0"/>
-              <a:t>2017/2/19</a:t>
+              <a:t>2017/2/28</a:t>
             </a:fld>
             <a:endParaRPr lang="zh-CN" altLang="en-US"/>
           </a:p>
@@ -2016,7 +2031,7 @@
           <a:p>
             <a:fld id="{379610A7-FF29-4931-944A-8C7998D42CB5}" type="datetimeFigureOut">
               <a:rPr lang="zh-CN" altLang="en-US" smtClean="0"/>
-              <a:t>2017/2/19</a:t>
+              <a:t>2017/2/28</a:t>
             </a:fld>
             <a:endParaRPr lang="zh-CN" altLang="en-US"/>
           </a:p>
@@ -2876,7 +2891,7 @@
           <a:p>
             <a:fld id="{379610A7-FF29-4931-944A-8C7998D42CB5}" type="datetimeFigureOut">
               <a:rPr lang="zh-CN" altLang="en-US" smtClean="0"/>
-              <a:t>2017/2/19</a:t>
+              <a:t>2017/2/28</a:t>
             </a:fld>
             <a:endParaRPr lang="zh-CN" altLang="en-US"/>
           </a:p>
@@ -3046,7 +3061,7 @@
           <a:p>
             <a:fld id="{379610A7-FF29-4931-944A-8C7998D42CB5}" type="datetimeFigureOut">
               <a:rPr lang="zh-CN" altLang="en-US" smtClean="0"/>
-              <a:t>2017/2/19</a:t>
+              <a:t>2017/2/28</a:t>
             </a:fld>
             <a:endParaRPr lang="zh-CN" altLang="en-US"/>
           </a:p>
@@ -3226,7 +3241,7 @@
           <a:p>
             <a:fld id="{379610A7-FF29-4931-944A-8C7998D42CB5}" type="datetimeFigureOut">
               <a:rPr lang="zh-CN" altLang="en-US" smtClean="0"/>
-              <a:t>2017/2/19</a:t>
+              <a:t>2017/2/28</a:t>
             </a:fld>
             <a:endParaRPr lang="zh-CN" altLang="en-US"/>
           </a:p>
@@ -3396,7 +3411,7 @@
           <a:p>
             <a:fld id="{379610A7-FF29-4931-944A-8C7998D42CB5}" type="datetimeFigureOut">
               <a:rPr lang="zh-CN" altLang="en-US" smtClean="0"/>
-              <a:t>2017/2/19</a:t>
+              <a:t>2017/2/28</a:t>
             </a:fld>
             <a:endParaRPr lang="zh-CN" altLang="en-US"/>
           </a:p>
@@ -3643,7 +3658,7 @@
           <a:p>
             <a:fld id="{379610A7-FF29-4931-944A-8C7998D42CB5}" type="datetimeFigureOut">
               <a:rPr lang="zh-CN" altLang="en-US" smtClean="0"/>
-              <a:t>2017/2/19</a:t>
+              <a:t>2017/2/28</a:t>
             </a:fld>
             <a:endParaRPr lang="zh-CN" altLang="en-US"/>
           </a:p>
@@ -3935,7 +3950,7 @@
           <a:p>
             <a:fld id="{379610A7-FF29-4931-944A-8C7998D42CB5}" type="datetimeFigureOut">
               <a:rPr lang="zh-CN" altLang="en-US" smtClean="0"/>
-              <a:t>2017/2/19</a:t>
+              <a:t>2017/2/28</a:t>
             </a:fld>
             <a:endParaRPr lang="zh-CN" altLang="en-US"/>
           </a:p>
@@ -4379,7 +4394,7 @@
           <a:p>
             <a:fld id="{379610A7-FF29-4931-944A-8C7998D42CB5}" type="datetimeFigureOut">
               <a:rPr lang="zh-CN" altLang="en-US" smtClean="0"/>
-              <a:t>2017/2/19</a:t>
+              <a:t>2017/2/28</a:t>
             </a:fld>
             <a:endParaRPr lang="zh-CN" altLang="en-US"/>
           </a:p>
@@ -4497,7 +4512,7 @@
           <a:p>
             <a:fld id="{379610A7-FF29-4931-944A-8C7998D42CB5}" type="datetimeFigureOut">
               <a:rPr lang="zh-CN" altLang="en-US" smtClean="0"/>
-              <a:t>2017/2/19</a:t>
+              <a:t>2017/2/28</a:t>
             </a:fld>
             <a:endParaRPr lang="zh-CN" altLang="en-US"/>
           </a:p>
@@ -4592,7 +4607,7 @@
           <a:p>
             <a:fld id="{379610A7-FF29-4931-944A-8C7998D42CB5}" type="datetimeFigureOut">
               <a:rPr lang="zh-CN" altLang="en-US" smtClean="0"/>
-              <a:t>2017/2/19</a:t>
+              <a:t>2017/2/28</a:t>
             </a:fld>
             <a:endParaRPr lang="zh-CN" altLang="en-US"/>
           </a:p>
@@ -4871,7 +4886,7 @@
           <a:p>
             <a:fld id="{379610A7-FF29-4931-944A-8C7998D42CB5}" type="datetimeFigureOut">
               <a:rPr lang="zh-CN" altLang="en-US" smtClean="0"/>
-              <a:t>2017/2/19</a:t>
+              <a:t>2017/2/28</a:t>
             </a:fld>
             <a:endParaRPr lang="zh-CN" altLang="en-US"/>
           </a:p>
@@ -5146,7 +5161,7 @@
           <a:p>
             <a:fld id="{379610A7-FF29-4931-944A-8C7998D42CB5}" type="datetimeFigureOut">
               <a:rPr lang="zh-CN" altLang="en-US" smtClean="0"/>
-              <a:t>2017/2/19</a:t>
+              <a:t>2017/2/28</a:t>
             </a:fld>
             <a:endParaRPr lang="zh-CN" altLang="en-US"/>
           </a:p>
@@ -5575,7 +5590,7 @@
           <a:p>
             <a:fld id="{379610A7-FF29-4931-944A-8C7998D42CB5}" type="datetimeFigureOut">
               <a:rPr lang="zh-CN" altLang="en-US" smtClean="0"/>
-              <a:t>2017/2/19</a:t>
+              <a:t>2017/2/28</a:t>
             </a:fld>
             <a:endParaRPr lang="zh-CN" altLang="en-US"/>
           </a:p>
@@ -6400,22 +6415,40 @@
           <a:p>
             <a:r>
               <a:rPr lang="en-US" altLang="zh-CN" dirty="0" smtClean="0"/>
-              <a:t>Person p = new Person();</a:t>
-            </a:r>
-          </a:p>
-          <a:p>
+              <a:t>B </a:t>
+            </a:r>
+            <a:r>
+              <a:rPr lang="en-US" altLang="zh-CN" dirty="0" err="1" smtClean="0"/>
+              <a:t>b</a:t>
+            </a:r>
             <a:r>
               <a:rPr lang="en-US" altLang="zh-CN" dirty="0" smtClean="0"/>
-              <a:t>Person q = </a:t>
+              <a:t> = new B();</a:t>
+            </a:r>
+            <a:endParaRPr lang="en-US" altLang="zh-CN" dirty="0" smtClean="0"/>
+          </a:p>
+          <a:p>
+            <a:r>
+              <a:rPr lang="en-US" altLang="zh-CN" dirty="0" smtClean="0"/>
+              <a:t>B </a:t>
             </a:r>
             <a:r>
               <a:rPr lang="en-US" altLang="zh-CN" dirty="0" err="1" smtClean="0"/>
-              <a:t>personFactory.createPerson</a:t>
+              <a:t>b</a:t>
             </a:r>
             <a:r>
               <a:rPr lang="en-US" altLang="zh-CN" dirty="0" smtClean="0"/>
-              <a:t>();</a:t>
-            </a:r>
+              <a:t> = </a:t>
+            </a:r>
+            <a:r>
+              <a:rPr lang="en-US" altLang="zh-CN" dirty="0" err="1" smtClean="0"/>
+              <a:t>BFactory.get</a:t>
+            </a:r>
+            <a:r>
+              <a:rPr lang="en-US" altLang="zh-CN" dirty="0" smtClean="0"/>
+              <a:t>(“B”);</a:t>
+            </a:r>
+            <a:endParaRPr lang="en-US" altLang="zh-CN" dirty="0" smtClean="0"/>
           </a:p>
           <a:p>
             <a:endParaRPr lang="en-US" altLang="zh-CN" dirty="0"/>
@@ -6786,11 +6819,8 @@
           <a:p>
             <a:r>
               <a:rPr lang="zh-CN" altLang="en-US" dirty="0" smtClean="0"/>
-              <a:t>使用类加载机制进行类映射</a:t>
-            </a:r>
-            <a:endParaRPr lang="en-US" altLang="zh-CN" dirty="0" smtClean="0"/>
-          </a:p>
-          <a:p>
+              <a:t>我们写了如下代码</a:t>
+            </a:r>
             <a:endParaRPr lang="en-US" altLang="zh-CN" dirty="0"/>
           </a:p>
           <a:p>
@@ -6800,28 +6830,22 @@
       </p:sp>
       <p:pic>
         <p:nvPicPr>
-          <p:cNvPr id="4" name="图片 3"/>
+          <p:cNvPr id="6" name="图片 5"/>
           <p:cNvPicPr>
             <a:picLocks noChangeAspect="1"/>
           </p:cNvPicPr>
           <p:nvPr/>
         </p:nvPicPr>
         <p:blipFill>
-          <a:blip r:embed="rId2">
-            <a:extLst>
-              <a:ext uri="{28A0092B-C50C-407E-A947-70E740481C1C}">
-                <a14:useLocalDpi xmlns:a14="http://schemas.microsoft.com/office/drawing/2010/main" val="0"/>
-              </a:ext>
-            </a:extLst>
-          </a:blip>
+          <a:blip r:embed="rId2"/>
           <a:stretch>
             <a:fillRect/>
           </a:stretch>
         </p:blipFill>
         <p:spPr>
           <a:xfrm>
-            <a:off x="1475566" y="2510536"/>
-            <a:ext cx="7354536" cy="4251431"/>
+            <a:off x="2011758" y="2730600"/>
+            <a:ext cx="8038095" cy="1600000"/>
           </a:xfrm>
           <a:prstGeom prst="rect">
             <a:avLst/>
@@ -6894,6 +6918,360 @@
             </a:r>
             <a:r>
               <a:rPr lang="zh-CN" altLang="en-US" dirty="0"/>
+              <a:t>容器的实现的</a:t>
+            </a:r>
+            <a:r>
+              <a:rPr lang="en-US" altLang="zh-CN" dirty="0"/>
+              <a:t>Java</a:t>
+            </a:r>
+            <a:r>
+              <a:rPr lang="zh-CN" altLang="en-US" dirty="0"/>
+              <a:t>机制</a:t>
+            </a:r>
+          </a:p>
+        </p:txBody>
+      </p:sp>
+      <p:sp>
+        <p:nvSpPr>
+          <p:cNvPr id="3" name="内容占位符 2"/>
+          <p:cNvSpPr>
+            <a:spLocks noGrp="1"/>
+          </p:cNvSpPr>
+          <p:nvPr>
+            <p:ph idx="1"/>
+          </p:nvPr>
+        </p:nvSpPr>
+        <p:spPr/>
+        <p:txBody>
+          <a:bodyPr/>
+          <a:lstStyle/>
+          <a:p>
+            <a:r>
+              <a:rPr lang="zh-CN" altLang="en-US" dirty="0" smtClean="0"/>
+              <a:t>相当于执行下面的代码，省略号省略了很多</a:t>
+            </a:r>
+            <a:r>
+              <a:rPr lang="en-US" altLang="zh-CN" dirty="0" smtClean="0"/>
+              <a:t>Bean</a:t>
+            </a:r>
+            <a:r>
+              <a:rPr lang="zh-CN" altLang="en-US" dirty="0" smtClean="0"/>
+              <a:t>生命周期方法，例如</a:t>
+            </a:r>
+            <a:r>
+              <a:rPr lang="en-US" altLang="zh-CN" dirty="0" smtClean="0"/>
+              <a:t>set</a:t>
+            </a:r>
+            <a:r>
+              <a:rPr lang="zh-CN" altLang="en-US" dirty="0" smtClean="0"/>
+              <a:t>属性之前的</a:t>
+            </a:r>
+            <a:r>
+              <a:rPr lang="en-US" altLang="zh-CN" dirty="0" err="1" smtClean="0"/>
+              <a:t>postProcessProperty</a:t>
+            </a:r>
+            <a:r>
+              <a:rPr lang="zh-CN" altLang="en-US" dirty="0" smtClean="0"/>
+              <a:t>方法</a:t>
+            </a:r>
+            <a:endParaRPr lang="zh-CN" altLang="en-US" dirty="0"/>
+          </a:p>
+        </p:txBody>
+      </p:sp>
+      <p:pic>
+        <p:nvPicPr>
+          <p:cNvPr id="5" name="图片 4"/>
+          <p:cNvPicPr>
+            <a:picLocks noChangeAspect="1"/>
+          </p:cNvPicPr>
+          <p:nvPr/>
+        </p:nvPicPr>
+        <p:blipFill>
+          <a:blip r:embed="rId2"/>
+          <a:stretch>
+            <a:fillRect/>
+          </a:stretch>
+        </p:blipFill>
+        <p:spPr>
+          <a:xfrm>
+            <a:off x="1348472" y="2790926"/>
+            <a:ext cx="8000000" cy="3657143"/>
+          </a:xfrm>
+          <a:prstGeom prst="rect">
+            <a:avLst/>
+          </a:prstGeom>
+        </p:spPr>
+      </p:pic>
+    </p:spTree>
+    <p:extLst>
+      <p:ext uri="{BB962C8B-B14F-4D97-AF65-F5344CB8AC3E}">
+        <p14:creationId xmlns:p14="http://schemas.microsoft.com/office/powerpoint/2010/main" val="3771116961"/>
+      </p:ext>
+    </p:extLst>
+  </p:cSld>
+  <p:clrMapOvr>
+    <a:masterClrMapping/>
+  </p:clrMapOvr>
+  <p:timing>
+    <p:tnLst>
+      <p:par>
+        <p:cTn id="1" dur="indefinite" restart="never" nodeType="tmRoot"/>
+      </p:par>
+    </p:tnLst>
+  </p:timing>
+</p:sld>
+</file>
+
+<file path=ppt/slides/slide15.xml><?xml version="1.0" encoding="utf-8"?>
+<p:sld xmlns:a="http://schemas.openxmlformats.org/drawingml/2006/main" xmlns:r="http://schemas.openxmlformats.org/officeDocument/2006/relationships" xmlns:p="http://schemas.openxmlformats.org/presentationml/2006/main">
+  <p:cSld>
+    <p:spTree>
+      <p:nvGrpSpPr>
+        <p:cNvPr id="1" name=""/>
+        <p:cNvGrpSpPr/>
+        <p:nvPr/>
+      </p:nvGrpSpPr>
+      <p:grpSpPr>
+        <a:xfrm>
+          <a:off x="0" y="0"/>
+          <a:ext cx="0" cy="0"/>
+          <a:chOff x="0" y="0"/>
+          <a:chExt cx="0" cy="0"/>
+        </a:xfrm>
+      </p:grpSpPr>
+      <p:sp>
+        <p:nvSpPr>
+          <p:cNvPr id="2" name="标题 1"/>
+          <p:cNvSpPr>
+            <a:spLocks noGrp="1"/>
+          </p:cNvSpPr>
+          <p:nvPr>
+            <p:ph type="title"/>
+          </p:nvPr>
+        </p:nvSpPr>
+        <p:spPr/>
+        <p:txBody>
+          <a:bodyPr/>
+          <a:lstStyle/>
+          <a:p>
+            <a:r>
+              <a:rPr lang="zh-CN" altLang="en-US" dirty="0" smtClean="0"/>
+              <a:t>原理</a:t>
+            </a:r>
+            <a:r>
+              <a:rPr lang="en-US" altLang="zh-CN" dirty="0" smtClean="0"/>
+              <a:t>1</a:t>
+            </a:r>
+            <a:r>
+              <a:rPr lang="zh-CN" altLang="en-US" dirty="0" smtClean="0"/>
+              <a:t>：获得</a:t>
+            </a:r>
+            <a:r>
+              <a:rPr lang="en-US" altLang="zh-CN" dirty="0" smtClean="0"/>
+              <a:t>class</a:t>
+            </a:r>
+            <a:r>
+              <a:rPr lang="zh-CN" altLang="en-US" dirty="0" smtClean="0"/>
+              <a:t>类</a:t>
+            </a:r>
+            <a:endParaRPr lang="zh-CN" altLang="en-US" dirty="0"/>
+          </a:p>
+        </p:txBody>
+      </p:sp>
+      <p:pic>
+        <p:nvPicPr>
+          <p:cNvPr id="4" name="内容占位符 3"/>
+          <p:cNvPicPr>
+            <a:picLocks noGrp="1" noChangeAspect="1"/>
+          </p:cNvPicPr>
+          <p:nvPr>
+            <p:ph idx="1"/>
+          </p:nvPr>
+        </p:nvPicPr>
+        <p:blipFill>
+          <a:blip r:embed="rId2"/>
+          <a:stretch>
+            <a:fillRect/>
+          </a:stretch>
+        </p:blipFill>
+        <p:spPr>
+          <a:xfrm>
+            <a:off x="1553078" y="2998138"/>
+            <a:ext cx="8047619" cy="2304762"/>
+          </a:xfrm>
+          <a:prstGeom prst="rect">
+            <a:avLst/>
+          </a:prstGeom>
+        </p:spPr>
+      </p:pic>
+    </p:spTree>
+    <p:extLst>
+      <p:ext uri="{BB962C8B-B14F-4D97-AF65-F5344CB8AC3E}">
+        <p14:creationId xmlns:p14="http://schemas.microsoft.com/office/powerpoint/2010/main" val="3571687679"/>
+      </p:ext>
+    </p:extLst>
+  </p:cSld>
+  <p:clrMapOvr>
+    <a:masterClrMapping/>
+  </p:clrMapOvr>
+  <p:timing>
+    <p:tnLst>
+      <p:par>
+        <p:cTn id="1" dur="indefinite" restart="never" nodeType="tmRoot"/>
+      </p:par>
+    </p:tnLst>
+  </p:timing>
+</p:sld>
+</file>
+
+<file path=ppt/slides/slide16.xml><?xml version="1.0" encoding="utf-8"?>
+<p:sld xmlns:a="http://schemas.openxmlformats.org/drawingml/2006/main" xmlns:r="http://schemas.openxmlformats.org/officeDocument/2006/relationships" xmlns:p="http://schemas.openxmlformats.org/presentationml/2006/main">
+  <p:cSld>
+    <p:spTree>
+      <p:nvGrpSpPr>
+        <p:cNvPr id="1" name=""/>
+        <p:cNvGrpSpPr/>
+        <p:nvPr/>
+      </p:nvGrpSpPr>
+      <p:grpSpPr>
+        <a:xfrm>
+          <a:off x="0" y="0"/>
+          <a:ext cx="0" cy="0"/>
+          <a:chOff x="0" y="0"/>
+          <a:chExt cx="0" cy="0"/>
+        </a:xfrm>
+      </p:grpSpPr>
+      <p:sp>
+        <p:nvSpPr>
+          <p:cNvPr id="2" name="标题 1"/>
+          <p:cNvSpPr>
+            <a:spLocks noGrp="1"/>
+          </p:cNvSpPr>
+          <p:nvPr>
+            <p:ph type="title"/>
+          </p:nvPr>
+        </p:nvSpPr>
+        <p:spPr/>
+        <p:txBody>
+          <a:bodyPr/>
+          <a:lstStyle/>
+          <a:p>
+            <a:r>
+              <a:rPr lang="zh-CN" altLang="en-US" dirty="0" smtClean="0"/>
+              <a:t>原理</a:t>
+            </a:r>
+            <a:r>
+              <a:rPr lang="en-US" altLang="zh-CN" dirty="0" smtClean="0"/>
+              <a:t>2</a:t>
+            </a:r>
+            <a:r>
+              <a:rPr lang="zh-CN" altLang="en-US" dirty="0" smtClean="0"/>
+              <a:t>：执行方法（</a:t>
+            </a:r>
+            <a:r>
+              <a:rPr lang="en-US" altLang="zh-CN" dirty="0" smtClean="0"/>
+              <a:t>set</a:t>
+            </a:r>
+            <a:r>
+              <a:rPr lang="zh-CN" altLang="en-US" dirty="0" smtClean="0"/>
+              <a:t>属性值）</a:t>
+            </a:r>
+            <a:endParaRPr lang="zh-CN" altLang="en-US" dirty="0"/>
+          </a:p>
+        </p:txBody>
+      </p:sp>
+      <p:pic>
+        <p:nvPicPr>
+          <p:cNvPr id="4" name="内容占位符 3"/>
+          <p:cNvPicPr>
+            <a:picLocks noGrp="1" noChangeAspect="1"/>
+          </p:cNvPicPr>
+          <p:nvPr>
+            <p:ph idx="1"/>
+          </p:nvPr>
+        </p:nvPicPr>
+        <p:blipFill>
+          <a:blip r:embed="rId2"/>
+          <a:stretch>
+            <a:fillRect/>
+          </a:stretch>
+        </p:blipFill>
+        <p:spPr>
+          <a:xfrm>
+            <a:off x="1557840" y="2755281"/>
+            <a:ext cx="8038095" cy="2790476"/>
+          </a:xfrm>
+          <a:prstGeom prst="rect">
+            <a:avLst/>
+          </a:prstGeom>
+        </p:spPr>
+      </p:pic>
+    </p:spTree>
+    <p:extLst>
+      <p:ext uri="{BB962C8B-B14F-4D97-AF65-F5344CB8AC3E}">
+        <p14:creationId xmlns:p14="http://schemas.microsoft.com/office/powerpoint/2010/main" val="1352729212"/>
+      </p:ext>
+    </p:extLst>
+  </p:cSld>
+  <p:clrMapOvr>
+    <a:masterClrMapping/>
+  </p:clrMapOvr>
+  <p:timing>
+    <p:tnLst>
+      <p:par>
+        <p:cTn id="1" dur="indefinite" restart="never" nodeType="tmRoot"/>
+      </p:par>
+    </p:tnLst>
+  </p:timing>
+</p:sld>
+</file>
+
+<file path=ppt/slides/slide17.xml><?xml version="1.0" encoding="utf-8"?>
+<p:sld xmlns:a="http://schemas.openxmlformats.org/drawingml/2006/main" xmlns:r="http://schemas.openxmlformats.org/officeDocument/2006/relationships" xmlns:p="http://schemas.openxmlformats.org/presentationml/2006/main">
+  <p:cSld>
+    <p:spTree>
+      <p:nvGrpSpPr>
+        <p:cNvPr id="1" name=""/>
+        <p:cNvGrpSpPr/>
+        <p:nvPr/>
+      </p:nvGrpSpPr>
+      <p:grpSpPr>
+        <a:xfrm>
+          <a:off x="0" y="0"/>
+          <a:ext cx="0" cy="0"/>
+          <a:chOff x="0" y="0"/>
+          <a:chExt cx="0" cy="0"/>
+        </a:xfrm>
+      </p:grpSpPr>
+      <p:sp>
+        <p:nvSpPr>
+          <p:cNvPr id="2" name="标题 1"/>
+          <p:cNvSpPr>
+            <a:spLocks noGrp="1"/>
+          </p:cNvSpPr>
+          <p:nvPr>
+            <p:ph type="title"/>
+          </p:nvPr>
+        </p:nvSpPr>
+        <p:spPr/>
+        <p:txBody>
+          <a:bodyPr/>
+          <a:lstStyle/>
+          <a:p>
+            <a:r>
+              <a:rPr lang="zh-CN" altLang="en-US" dirty="0"/>
+              <a:t>源码分析</a:t>
+            </a:r>
+            <a:r>
+              <a:rPr lang="en-US" altLang="zh-CN" dirty="0"/>
+              <a:t>-</a:t>
+            </a:r>
+            <a:r>
+              <a:rPr lang="en-US" altLang="zh-CN" dirty="0" err="1"/>
+              <a:t>IoC</a:t>
+            </a:r>
+            <a:r>
+              <a:rPr lang="zh-CN" altLang="en-US" dirty="0"/>
               <a:t>中</a:t>
             </a:r>
             <a:r>
@@ -6956,7 +7334,7 @@
 </p:sld>
 </file>
 
-<file path=ppt/slides/slide15.xml><?xml version="1.0" encoding="utf-8"?>
+<file path=ppt/slides/slide18.xml><?xml version="1.0" encoding="utf-8"?>
 <p:sld xmlns:a="http://schemas.openxmlformats.org/drawingml/2006/main" xmlns:r="http://schemas.openxmlformats.org/officeDocument/2006/relationships" xmlns:p="http://schemas.openxmlformats.org/presentationml/2006/main">
   <p:cSld>
     <p:spTree>
@@ -7050,7 +7428,7 @@
             </a:r>
             <a:r>
               <a:rPr lang="zh-CN" altLang="en-US" dirty="0" smtClean="0"/>
-              <a:t>问题</a:t>
+              <a:t>问题，一般不用在意</a:t>
             </a:r>
             <a:endParaRPr lang="en-US" altLang="zh-CN" dirty="0"/>
           </a:p>
@@ -7093,7 +7471,15 @@
             </a:r>
             <a:r>
               <a:rPr lang="zh-CN" altLang="en-US" dirty="0"/>
-              <a:t>指定的四个方法，一般独立于</a:t>
+              <a:t>指定</a:t>
+            </a:r>
+            <a:r>
+              <a:rPr lang="zh-CN" altLang="en-US" dirty="0" smtClean="0"/>
+              <a:t>的五个</a:t>
+            </a:r>
+            <a:r>
+              <a:rPr lang="zh-CN" altLang="en-US" dirty="0"/>
+              <a:t>方法，一般独立于</a:t>
             </a:r>
             <a:r>
               <a:rPr lang="en-US" altLang="zh-CN" dirty="0"/>
@@ -7117,12 +7503,81 @@
             </a:r>
             <a:r>
               <a:rPr lang="zh-CN" altLang="en-US" dirty="0"/>
-              <a:t>编程思想就在这里生根发芽。</a:t>
+              <a:t>编程思想就在这里生根</a:t>
+            </a:r>
+            <a:r>
+              <a:rPr lang="zh-CN" altLang="en-US" dirty="0" smtClean="0"/>
+              <a:t>发芽。</a:t>
+            </a:r>
+            <a:endParaRPr lang="en-US" altLang="zh-CN" dirty="0" smtClean="0"/>
+          </a:p>
+          <a:p>
+            <a:r>
+              <a:rPr lang="zh-CN" altLang="en-US" dirty="0" smtClean="0"/>
+              <a:t>容器注册生命周期接口可以使用</a:t>
+            </a:r>
+            <a:r>
+              <a:rPr lang="en-US" altLang="zh-CN" dirty="0" err="1" smtClean="0"/>
+              <a:t>addBeanPostProcessor</a:t>
+            </a:r>
+            <a:r>
+              <a:rPr lang="zh-CN" altLang="en-US" dirty="0" smtClean="0"/>
+              <a:t>实现，也可以直接在配置文件中添加</a:t>
+            </a:r>
+            <a:r>
+              <a:rPr lang="en-US" altLang="zh-CN" dirty="0" smtClean="0"/>
+              <a:t>Bean</a:t>
+            </a:r>
+            <a:r>
+              <a:rPr lang="zh-CN" altLang="en-US" dirty="0" smtClean="0"/>
+              <a:t>，下面的两个</a:t>
+            </a:r>
+            <a:r>
+              <a:rPr lang="en-US" altLang="zh-CN" dirty="0" smtClean="0"/>
+              <a:t>Bean</a:t>
+            </a:r>
+            <a:r>
+              <a:rPr lang="zh-CN" altLang="en-US" dirty="0" smtClean="0"/>
+              <a:t>是我自己实现的</a:t>
+            </a:r>
+            <a:r>
+              <a:rPr lang="en-US" altLang="zh-CN" dirty="0" smtClean="0"/>
+              <a:t>processor</a:t>
             </a:r>
             <a:endParaRPr lang="zh-CN" altLang="en-US" dirty="0"/>
           </a:p>
         </p:txBody>
       </p:sp>
+      <p:pic>
+        <p:nvPicPr>
+          <p:cNvPr id="4" name="图片 3"/>
+          <p:cNvPicPr>
+            <a:picLocks noChangeAspect="1"/>
+          </p:cNvPicPr>
+          <p:nvPr/>
+        </p:nvPicPr>
+        <p:blipFill>
+          <a:blip r:embed="rId2">
+            <a:extLst>
+              <a:ext uri="{28A0092B-C50C-407E-A947-70E740481C1C}">
+                <a14:useLocalDpi xmlns:a14="http://schemas.microsoft.com/office/drawing/2010/main" val="0"/>
+              </a:ext>
+            </a:extLst>
+          </a:blip>
+          <a:stretch>
+            <a:fillRect/>
+          </a:stretch>
+        </p:blipFill>
+        <p:spPr>
+          <a:xfrm>
+            <a:off x="2133294" y="4840740"/>
+            <a:ext cx="6886575" cy="1095375"/>
+          </a:xfrm>
+          <a:prstGeom prst="rect">
+            <a:avLst/>
+          </a:prstGeom>
+        </p:spPr>
+      </p:pic>
     </p:spTree>
     <p:extLst>
       <p:ext uri="{BB962C8B-B14F-4D97-AF65-F5344CB8AC3E}">
@@ -7239,6 +7694,100 @@
                       </p:childTnLst>
                     </p:cTn>
                   </p:par>
+                  <p:par>
+                    <p:cTn id="11" fill="hold">
+                      <p:stCondLst>
+                        <p:cond delay="indefinite"/>
+                      </p:stCondLst>
+                      <p:childTnLst>
+                        <p:par>
+                          <p:cTn id="12" fill="hold">
+                            <p:stCondLst>
+                              <p:cond delay="0"/>
+                            </p:stCondLst>
+                            <p:childTnLst>
+                              <p:par>
+                                <p:cTn id="13" presetID="1" presetClass="entr" presetSubtype="0" fill="hold" nodeType="clickEffect">
+                                  <p:stCondLst>
+                                    <p:cond delay="0"/>
+                                  </p:stCondLst>
+                                  <p:childTnLst>
+                                    <p:set>
+                                      <p:cBhvr>
+                                        <p:cTn id="14" dur="1" fill="hold">
+                                          <p:stCondLst>
+                                            <p:cond delay="0"/>
+                                          </p:stCondLst>
+                                        </p:cTn>
+                                        <p:tgtEl>
+                                          <p:spTgt spid="3">
+                                            <p:txEl>
+                                              <p:pRg st="3" end="3"/>
+                                            </p:txEl>
+                                          </p:spTgt>
+                                        </p:tgtEl>
+                                        <p:attrNameLst>
+                                          <p:attrName>style.visibility</p:attrName>
+                                        </p:attrNameLst>
+                                      </p:cBhvr>
+                                      <p:to>
+                                        <p:strVal val="visible"/>
+                                      </p:to>
+                                    </p:set>
+                                  </p:childTnLst>
+                                </p:cTn>
+                              </p:par>
+                            </p:childTnLst>
+                          </p:cTn>
+                        </p:par>
+                      </p:childTnLst>
+                    </p:cTn>
+                  </p:par>
+                  <p:par>
+                    <p:cTn id="15" fill="hold">
+                      <p:stCondLst>
+                        <p:cond delay="indefinite"/>
+                      </p:stCondLst>
+                      <p:childTnLst>
+                        <p:par>
+                          <p:cTn id="16" fill="hold">
+                            <p:stCondLst>
+                              <p:cond delay="0"/>
+                            </p:stCondLst>
+                            <p:childTnLst>
+                              <p:par>
+                                <p:cTn id="17" presetID="1" presetClass="entr" presetSubtype="0" fill="hold" nodeType="clickEffect">
+                                  <p:stCondLst>
+                                    <p:cond delay="0"/>
+                                  </p:stCondLst>
+                                  <p:childTnLst>
+                                    <p:set>
+                                      <p:cBhvr>
+                                        <p:cTn id="18" dur="1" fill="hold">
+                                          <p:stCondLst>
+                                            <p:cond delay="0"/>
+                                          </p:stCondLst>
+                                        </p:cTn>
+                                        <p:tgtEl>
+                                          <p:spTgt spid="4"/>
+                                        </p:tgtEl>
+                                        <p:attrNameLst>
+                                          <p:attrName>style.visibility</p:attrName>
+                                        </p:attrNameLst>
+                                      </p:cBhvr>
+                                      <p:to>
+                                        <p:strVal val="visible"/>
+                                      </p:to>
+                                    </p:set>
+                                  </p:childTnLst>
+                                </p:cTn>
+                              </p:par>
+                            </p:childTnLst>
+                          </p:cTn>
+                        </p:par>
+                      </p:childTnLst>
+                    </p:cTn>
+                  </p:par>
                 </p:childTnLst>
               </p:cTn>
               <p:prevCondLst>
@@ -7264,7 +7813,7 @@
 </p:sld>
 </file>
 
-<file path=ppt/slides/slide16.xml><?xml version="1.0" encoding="utf-8"?>
+<file path=ppt/slides/slide19.xml><?xml version="1.0" encoding="utf-8"?>
 <p:sld xmlns:a="http://schemas.openxmlformats.org/drawingml/2006/main" xmlns:r="http://schemas.openxmlformats.org/officeDocument/2006/relationships" xmlns:p="http://schemas.openxmlformats.org/presentationml/2006/main">
   <p:cSld>
     <p:spTree>
@@ -7297,8 +7846,12 @@
           <a:lstStyle/>
           <a:p>
             <a:r>
+              <a:rPr lang="zh-CN" altLang="en-US" dirty="0"/>
+              <a:t>源码分析</a:t>
+            </a:r>
+            <a:r>
               <a:rPr lang="en-US" altLang="zh-CN" dirty="0"/>
-              <a:t>Spring </a:t>
+              <a:t>-</a:t>
             </a:r>
             <a:r>
               <a:rPr lang="en-US" altLang="zh-CN" dirty="0" err="1"/>
@@ -7306,12 +7859,583 @@
             </a:r>
             <a:r>
               <a:rPr lang="zh-CN" altLang="en-US" dirty="0"/>
-              <a:t>容器使用</a:t>
+              <a:t>中</a:t>
+            </a:r>
+            <a:r>
+              <a:rPr lang="en-US" altLang="zh-CN" dirty="0"/>
+              <a:t>Bean</a:t>
+            </a:r>
+            <a:r>
+              <a:rPr lang="zh-CN" altLang="en-US" dirty="0"/>
+              <a:t>的生命周期</a:t>
+            </a:r>
+          </a:p>
+        </p:txBody>
+      </p:sp>
+      <p:sp>
+        <p:nvSpPr>
+          <p:cNvPr id="3" name="内容占位符 2"/>
+          <p:cNvSpPr>
+            <a:spLocks noGrp="1"/>
+          </p:cNvSpPr>
+          <p:nvPr>
+            <p:ph idx="1"/>
+          </p:nvPr>
+        </p:nvSpPr>
+        <p:spPr/>
+        <p:txBody>
+          <a:bodyPr/>
+          <a:lstStyle/>
+          <a:p>
+            <a:r>
+              <a:rPr lang="en-US" altLang="zh-CN" dirty="0" smtClean="0"/>
+              <a:t>Bean</a:t>
+            </a:r>
+            <a:r>
+              <a:rPr lang="zh-CN" altLang="en-US" dirty="0" smtClean="0"/>
+              <a:t>自身的方法</a:t>
+            </a:r>
+            <a:endParaRPr lang="en-US" altLang="zh-CN" dirty="0" smtClean="0"/>
+          </a:p>
+          <a:p>
+            <a:endParaRPr lang="en-US" altLang="zh-CN" dirty="0"/>
+          </a:p>
+          <a:p>
+            <a:endParaRPr lang="en-US" altLang="zh-CN" dirty="0" smtClean="0"/>
+          </a:p>
+          <a:p>
+            <a:r>
+              <a:rPr lang="en-US" altLang="zh-CN" dirty="0" err="1" smtClean="0"/>
+              <a:t>Init</a:t>
+            </a:r>
+            <a:r>
+              <a:rPr lang="en-US" altLang="zh-CN" dirty="0" smtClean="0"/>
+              <a:t>-method </a:t>
+            </a:r>
+          </a:p>
+          <a:p>
+            <a:r>
+              <a:rPr lang="en-US" altLang="zh-CN" dirty="0" smtClean="0"/>
+              <a:t>destroy-method </a:t>
+            </a:r>
+          </a:p>
+          <a:p>
+            <a:r>
+              <a:rPr lang="en-US" altLang="zh-CN" dirty="0" smtClean="0"/>
+              <a:t>set</a:t>
             </a:r>
             <a:endParaRPr lang="zh-CN" altLang="en-US" dirty="0"/>
           </a:p>
         </p:txBody>
       </p:sp>
+    </p:spTree>
+    <p:extLst>
+      <p:ext uri="{BB962C8B-B14F-4D97-AF65-F5344CB8AC3E}">
+        <p14:creationId xmlns:p14="http://schemas.microsoft.com/office/powerpoint/2010/main" val="2326346475"/>
+      </p:ext>
+    </p:extLst>
+  </p:cSld>
+  <p:clrMapOvr>
+    <a:masterClrMapping/>
+  </p:clrMapOvr>
+  <p:timing>
+    <p:tnLst>
+      <p:par>
+        <p:cTn id="1" dur="indefinite" restart="never" nodeType="tmRoot">
+          <p:childTnLst>
+            <p:seq concurrent="1" nextAc="seek">
+              <p:cTn id="2" dur="indefinite" nodeType="mainSeq">
+                <p:childTnLst>
+                  <p:par>
+                    <p:cTn id="3" fill="hold">
+                      <p:stCondLst>
+                        <p:cond delay="indefinite"/>
+                      </p:stCondLst>
+                      <p:childTnLst>
+                        <p:par>
+                          <p:cTn id="4" fill="hold">
+                            <p:stCondLst>
+                              <p:cond delay="0"/>
+                            </p:stCondLst>
+                            <p:childTnLst>
+                              <p:par>
+                                <p:cTn id="5" presetID="1" presetClass="entr" presetSubtype="0" fill="hold" nodeType="clickEffect">
+                                  <p:stCondLst>
+                                    <p:cond delay="0"/>
+                                  </p:stCondLst>
+                                  <p:childTnLst>
+                                    <p:set>
+                                      <p:cBhvr>
+                                        <p:cTn id="6" dur="1" fill="hold">
+                                          <p:stCondLst>
+                                            <p:cond delay="0"/>
+                                          </p:stCondLst>
+                                        </p:cTn>
+                                        <p:tgtEl>
+                                          <p:spTgt spid="3">
+                                            <p:txEl>
+                                              <p:pRg st="3" end="3"/>
+                                            </p:txEl>
+                                          </p:spTgt>
+                                        </p:tgtEl>
+                                        <p:attrNameLst>
+                                          <p:attrName>style.visibility</p:attrName>
+                                        </p:attrNameLst>
+                                      </p:cBhvr>
+                                      <p:to>
+                                        <p:strVal val="visible"/>
+                                      </p:to>
+                                    </p:set>
+                                  </p:childTnLst>
+                                </p:cTn>
+                              </p:par>
+                              <p:par>
+                                <p:cTn id="7" presetID="1" presetClass="entr" presetSubtype="0" fill="hold" nodeType="withEffect">
+                                  <p:stCondLst>
+                                    <p:cond delay="0"/>
+                                  </p:stCondLst>
+                                  <p:childTnLst>
+                                    <p:set>
+                                      <p:cBhvr>
+                                        <p:cTn id="8" dur="1" fill="hold">
+                                          <p:stCondLst>
+                                            <p:cond delay="0"/>
+                                          </p:stCondLst>
+                                        </p:cTn>
+                                        <p:tgtEl>
+                                          <p:spTgt spid="3">
+                                            <p:txEl>
+                                              <p:pRg st="4" end="4"/>
+                                            </p:txEl>
+                                          </p:spTgt>
+                                        </p:tgtEl>
+                                        <p:attrNameLst>
+                                          <p:attrName>style.visibility</p:attrName>
+                                        </p:attrNameLst>
+                                      </p:cBhvr>
+                                      <p:to>
+                                        <p:strVal val="visible"/>
+                                      </p:to>
+                                    </p:set>
+                                  </p:childTnLst>
+                                </p:cTn>
+                              </p:par>
+                              <p:par>
+                                <p:cTn id="9" presetID="1" presetClass="entr" presetSubtype="0" fill="hold" nodeType="withEffect">
+                                  <p:stCondLst>
+                                    <p:cond delay="0"/>
+                                  </p:stCondLst>
+                                  <p:childTnLst>
+                                    <p:set>
+                                      <p:cBhvr>
+                                        <p:cTn id="10" dur="1" fill="hold">
+                                          <p:stCondLst>
+                                            <p:cond delay="0"/>
+                                          </p:stCondLst>
+                                        </p:cTn>
+                                        <p:tgtEl>
+                                          <p:spTgt spid="3">
+                                            <p:txEl>
+                                              <p:pRg st="5" end="5"/>
+                                            </p:txEl>
+                                          </p:spTgt>
+                                        </p:tgtEl>
+                                        <p:attrNameLst>
+                                          <p:attrName>style.visibility</p:attrName>
+                                        </p:attrNameLst>
+                                      </p:cBhvr>
+                                      <p:to>
+                                        <p:strVal val="visible"/>
+                                      </p:to>
+                                    </p:set>
+                                  </p:childTnLst>
+                                </p:cTn>
+                              </p:par>
+                            </p:childTnLst>
+                          </p:cTn>
+                        </p:par>
+                      </p:childTnLst>
+                    </p:cTn>
+                  </p:par>
+                </p:childTnLst>
+              </p:cTn>
+              <p:prevCondLst>
+                <p:cond evt="onPrev" delay="0">
+                  <p:tgtEl>
+                    <p:sldTgt/>
+                  </p:tgtEl>
+                </p:cond>
+              </p:prevCondLst>
+              <p:nextCondLst>
+                <p:cond evt="onNext" delay="0">
+                  <p:tgtEl>
+                    <p:sldTgt/>
+                  </p:tgtEl>
+                </p:cond>
+              </p:nextCondLst>
+            </p:seq>
+          </p:childTnLst>
+        </p:cTn>
+      </p:par>
+    </p:tnLst>
+  </p:timing>
+</p:sld>
+</file>
+
+<file path=ppt/slides/slide2.xml><?xml version="1.0" encoding="utf-8"?>
+<p:sld xmlns:a="http://schemas.openxmlformats.org/drawingml/2006/main" xmlns:r="http://schemas.openxmlformats.org/officeDocument/2006/relationships" xmlns:p="http://schemas.openxmlformats.org/presentationml/2006/main">
+  <p:cSld>
+    <p:spTree>
+      <p:nvGrpSpPr>
+        <p:cNvPr id="1" name=""/>
+        <p:cNvGrpSpPr/>
+        <p:nvPr/>
+      </p:nvGrpSpPr>
+      <p:grpSpPr>
+        <a:xfrm>
+          <a:off x="0" y="0"/>
+          <a:ext cx="0" cy="0"/>
+          <a:chOff x="0" y="0"/>
+          <a:chExt cx="0" cy="0"/>
+        </a:xfrm>
+      </p:grpSpPr>
+      <p:sp>
+        <p:nvSpPr>
+          <p:cNvPr id="2" name="标题 1"/>
+          <p:cNvSpPr>
+            <a:spLocks noGrp="1"/>
+          </p:cNvSpPr>
+          <p:nvPr>
+            <p:ph type="title"/>
+          </p:nvPr>
+        </p:nvSpPr>
+        <p:spPr/>
+        <p:txBody>
+          <a:bodyPr/>
+          <a:lstStyle/>
+          <a:p>
+            <a:r>
+              <a:rPr lang="en-US" altLang="zh-CN" dirty="0" err="1" smtClean="0"/>
+              <a:t>IoC</a:t>
+            </a:r>
+            <a:r>
+              <a:rPr lang="zh-CN" altLang="en-US" dirty="0" smtClean="0"/>
+              <a:t>原理概述</a:t>
+            </a:r>
+            <a:endParaRPr lang="zh-CN" altLang="en-US" dirty="0"/>
+          </a:p>
+        </p:txBody>
+      </p:sp>
+      <p:pic>
+        <p:nvPicPr>
+          <p:cNvPr id="4" name="内容占位符 3"/>
+          <p:cNvPicPr>
+            <a:picLocks noGrp="1" noChangeAspect="1"/>
+          </p:cNvPicPr>
+          <p:nvPr>
+            <p:ph idx="1"/>
+          </p:nvPr>
+        </p:nvPicPr>
+        <p:blipFill>
+          <a:blip r:embed="rId2">
+            <a:extLst>
+              <a:ext uri="{28A0092B-C50C-407E-A947-70E740481C1C}">
+                <a14:useLocalDpi xmlns:a14="http://schemas.microsoft.com/office/drawing/2010/main" val="0"/>
+              </a:ext>
+            </a:extLst>
+          </a:blip>
+          <a:stretch>
+            <a:fillRect/>
+          </a:stretch>
+        </p:blipFill>
+        <p:spPr>
+          <a:xfrm>
+            <a:off x="881573" y="2219235"/>
+            <a:ext cx="4368254" cy="2552381"/>
+          </a:xfrm>
+        </p:spPr>
+      </p:pic>
+      <p:pic>
+        <p:nvPicPr>
+          <p:cNvPr id="6" name="图片 5"/>
+          <p:cNvPicPr>
+            <a:picLocks noChangeAspect="1"/>
+          </p:cNvPicPr>
+          <p:nvPr/>
+        </p:nvPicPr>
+        <p:blipFill>
+          <a:blip r:embed="rId3">
+            <a:extLst>
+              <a:ext uri="{28A0092B-C50C-407E-A947-70E740481C1C}">
+                <a14:useLocalDpi xmlns:a14="http://schemas.microsoft.com/office/drawing/2010/main" val="0"/>
+              </a:ext>
+            </a:extLst>
+          </a:blip>
+          <a:stretch>
+            <a:fillRect/>
+          </a:stretch>
+        </p:blipFill>
+        <p:spPr>
+          <a:xfrm>
+            <a:off x="7836791" y="2270029"/>
+            <a:ext cx="3669841" cy="2501587"/>
+          </a:xfrm>
+          <a:prstGeom prst="rect">
+            <a:avLst/>
+          </a:prstGeom>
+        </p:spPr>
+      </p:pic>
+      <p:sp>
+        <p:nvSpPr>
+          <p:cNvPr id="10" name="右箭头 9"/>
+          <p:cNvSpPr/>
+          <p:nvPr/>
+        </p:nvSpPr>
+        <p:spPr>
+          <a:xfrm>
+            <a:off x="5574318" y="3175501"/>
+            <a:ext cx="1937982" cy="639847"/>
+          </a:xfrm>
+          <a:prstGeom prst="rightArrow">
+            <a:avLst/>
+          </a:prstGeom>
+        </p:spPr>
+        <p:style>
+          <a:lnRef idx="2">
+            <a:schemeClr val="accent5">
+              <a:shade val="50000"/>
+            </a:schemeClr>
+          </a:lnRef>
+          <a:fillRef idx="1">
+            <a:schemeClr val="accent5"/>
+          </a:fillRef>
+          <a:effectRef idx="0">
+            <a:schemeClr val="accent5"/>
+          </a:effectRef>
+          <a:fontRef idx="minor">
+            <a:schemeClr val="lt1"/>
+          </a:fontRef>
+        </p:style>
+        <p:txBody>
+          <a:bodyPr rtlCol="0" anchor="ctr"/>
+          <a:lstStyle/>
+          <a:p>
+            <a:pPr algn="ctr"/>
+            <a:endParaRPr lang="zh-CN" altLang="en-US"/>
+          </a:p>
+        </p:txBody>
+      </p:sp>
+    </p:spTree>
+    <p:extLst>
+      <p:ext uri="{BB962C8B-B14F-4D97-AF65-F5344CB8AC3E}">
+        <p14:creationId xmlns:p14="http://schemas.microsoft.com/office/powerpoint/2010/main" val="3879140962"/>
+      </p:ext>
+    </p:extLst>
+  </p:cSld>
+  <p:clrMapOvr>
+    <a:masterClrMapping/>
+  </p:clrMapOvr>
+  <p:timing>
+    <p:tnLst>
+      <p:par>
+        <p:cTn id="1" dur="indefinite" restart="never" nodeType="tmRoot">
+          <p:childTnLst>
+            <p:seq concurrent="1" nextAc="seek">
+              <p:cTn id="2" dur="indefinite" nodeType="mainSeq">
+                <p:childTnLst>
+                  <p:par>
+                    <p:cTn id="3" fill="hold">
+                      <p:stCondLst>
+                        <p:cond delay="indefinite"/>
+                      </p:stCondLst>
+                      <p:childTnLst>
+                        <p:par>
+                          <p:cTn id="4" fill="hold">
+                            <p:stCondLst>
+                              <p:cond delay="0"/>
+                            </p:stCondLst>
+                            <p:childTnLst>
+                              <p:par>
+                                <p:cTn id="5" presetID="10" presetClass="entr" presetSubtype="0" fill="hold" nodeType="clickEffect">
+                                  <p:stCondLst>
+                                    <p:cond delay="0"/>
+                                  </p:stCondLst>
+                                  <p:childTnLst>
+                                    <p:set>
+                                      <p:cBhvr>
+                                        <p:cTn id="6" dur="1" fill="hold">
+                                          <p:stCondLst>
+                                            <p:cond delay="0"/>
+                                          </p:stCondLst>
+                                        </p:cTn>
+                                        <p:tgtEl>
+                                          <p:spTgt spid="6"/>
+                                        </p:tgtEl>
+                                        <p:attrNameLst>
+                                          <p:attrName>style.visibility</p:attrName>
+                                        </p:attrNameLst>
+                                      </p:cBhvr>
+                                      <p:to>
+                                        <p:strVal val="visible"/>
+                                      </p:to>
+                                    </p:set>
+                                    <p:animEffect transition="in" filter="fade">
+                                      <p:cBhvr>
+                                        <p:cTn id="7" dur="500"/>
+                                        <p:tgtEl>
+                                          <p:spTgt spid="6"/>
+                                        </p:tgtEl>
+                                      </p:cBhvr>
+                                    </p:animEffect>
+                                  </p:childTnLst>
+                                </p:cTn>
+                              </p:par>
+                            </p:childTnLst>
+                          </p:cTn>
+                        </p:par>
+                      </p:childTnLst>
+                    </p:cTn>
+                  </p:par>
+                  <p:par>
+                    <p:cTn id="8" fill="hold">
+                      <p:stCondLst>
+                        <p:cond delay="indefinite"/>
+                      </p:stCondLst>
+                      <p:childTnLst>
+                        <p:par>
+                          <p:cTn id="9" fill="hold">
+                            <p:stCondLst>
+                              <p:cond delay="0"/>
+                            </p:stCondLst>
+                            <p:childTnLst>
+                              <p:par>
+                                <p:cTn id="10" presetID="10" presetClass="entr" presetSubtype="0" fill="hold" grpId="0" nodeType="clickEffect">
+                                  <p:stCondLst>
+                                    <p:cond delay="0"/>
+                                  </p:stCondLst>
+                                  <p:childTnLst>
+                                    <p:set>
+                                      <p:cBhvr>
+                                        <p:cTn id="11" dur="1" fill="hold">
+                                          <p:stCondLst>
+                                            <p:cond delay="0"/>
+                                          </p:stCondLst>
+                                        </p:cTn>
+                                        <p:tgtEl>
+                                          <p:spTgt spid="10"/>
+                                        </p:tgtEl>
+                                        <p:attrNameLst>
+                                          <p:attrName>style.visibility</p:attrName>
+                                        </p:attrNameLst>
+                                      </p:cBhvr>
+                                      <p:to>
+                                        <p:strVal val="visible"/>
+                                      </p:to>
+                                    </p:set>
+                                    <p:animEffect transition="in" filter="fade">
+                                      <p:cBhvr>
+                                        <p:cTn id="12" dur="500"/>
+                                        <p:tgtEl>
+                                          <p:spTgt spid="10"/>
+                                        </p:tgtEl>
+                                      </p:cBhvr>
+                                    </p:animEffect>
+                                  </p:childTnLst>
+                                </p:cTn>
+                              </p:par>
+                            </p:childTnLst>
+                          </p:cTn>
+                        </p:par>
+                      </p:childTnLst>
+                    </p:cTn>
+                  </p:par>
+                </p:childTnLst>
+              </p:cTn>
+              <p:prevCondLst>
+                <p:cond evt="onPrev" delay="0">
+                  <p:tgtEl>
+                    <p:sldTgt/>
+                  </p:tgtEl>
+                </p:cond>
+              </p:prevCondLst>
+              <p:nextCondLst>
+                <p:cond evt="onNext" delay="0">
+                  <p:tgtEl>
+                    <p:sldTgt/>
+                  </p:tgtEl>
+                </p:cond>
+              </p:nextCondLst>
+            </p:seq>
+          </p:childTnLst>
+        </p:cTn>
+      </p:par>
+    </p:tnLst>
+    <p:bldLst>
+      <p:bldP spid="10" grpId="0" animBg="1"/>
+    </p:bldLst>
+  </p:timing>
+</p:sld>
+</file>
+
+<file path=ppt/slides/slide20.xml><?xml version="1.0" encoding="utf-8"?>
+<p:sld xmlns:a="http://schemas.openxmlformats.org/drawingml/2006/main" xmlns:r="http://schemas.openxmlformats.org/officeDocument/2006/relationships" xmlns:p="http://schemas.openxmlformats.org/presentationml/2006/main">
+  <p:cSld>
+    <p:spTree>
+      <p:nvGrpSpPr>
+        <p:cNvPr id="1" name=""/>
+        <p:cNvGrpSpPr/>
+        <p:nvPr/>
+      </p:nvGrpSpPr>
+      <p:grpSpPr>
+        <a:xfrm>
+          <a:off x="0" y="0"/>
+          <a:ext cx="0" cy="0"/>
+          <a:chOff x="0" y="0"/>
+          <a:chExt cx="0" cy="0"/>
+        </a:xfrm>
+      </p:grpSpPr>
+      <p:sp>
+        <p:nvSpPr>
+          <p:cNvPr id="2" name="标题 1"/>
+          <p:cNvSpPr>
+            <a:spLocks noGrp="1"/>
+          </p:cNvSpPr>
+          <p:nvPr>
+            <p:ph type="title"/>
+          </p:nvPr>
+        </p:nvSpPr>
+        <p:spPr/>
+        <p:txBody>
+          <a:bodyPr/>
+          <a:lstStyle/>
+          <a:p>
+            <a:r>
+              <a:rPr lang="zh-CN" altLang="en-US" dirty="0"/>
+              <a:t>源码分析</a:t>
+            </a:r>
+            <a:r>
+              <a:rPr lang="en-US" altLang="zh-CN" dirty="0"/>
+              <a:t>-</a:t>
+            </a:r>
+            <a:r>
+              <a:rPr lang="en-US" altLang="zh-CN" dirty="0" err="1"/>
+              <a:t>IoC</a:t>
+            </a:r>
+            <a:r>
+              <a:rPr lang="zh-CN" altLang="en-US" dirty="0"/>
+              <a:t>中</a:t>
+            </a:r>
+            <a:r>
+              <a:rPr lang="en-US" altLang="zh-CN" dirty="0"/>
+              <a:t>Bean</a:t>
+            </a:r>
+            <a:r>
+              <a:rPr lang="zh-CN" altLang="en-US" dirty="0"/>
+              <a:t>的生命周期</a:t>
+            </a:r>
+          </a:p>
+        </p:txBody>
+      </p:sp>
       <p:sp>
         <p:nvSpPr>
           <p:cNvPr id="3" name="内容占位符 2"/>
@@ -7328,9 +8452,44 @@
           <a:lstStyle/>
           <a:p>
             <a:r>
+              <a:rPr lang="en-US" altLang="zh-CN" dirty="0" smtClean="0"/>
+              <a:t>Bean</a:t>
+            </a:r>
+            <a:r>
               <a:rPr lang="zh-CN" altLang="en-US" dirty="0" smtClean="0"/>
-              <a:t>很轻松，不是吗？</a:t>
-            </a:r>
+              <a:t>级生命周期方法</a:t>
+            </a:r>
+            <a:r>
+              <a:rPr lang="en-US" altLang="zh-CN" dirty="0" smtClean="0"/>
+              <a:t>1</a:t>
+            </a:r>
+          </a:p>
+          <a:p>
+            <a:endParaRPr lang="en-US" altLang="zh-CN" dirty="0" smtClean="0"/>
+          </a:p>
+          <a:p>
+            <a:r>
+              <a:rPr lang="en-US" altLang="zh-CN" dirty="0" err="1" smtClean="0"/>
+              <a:t>BeanNameAware</a:t>
+            </a:r>
+            <a:r>
+              <a:rPr lang="zh-CN" altLang="en-US" dirty="0" smtClean="0"/>
+              <a:t>中的</a:t>
+            </a:r>
+            <a:r>
+              <a:rPr lang="en-US" altLang="zh-CN" dirty="0" err="1" smtClean="0"/>
+              <a:t>setBeanName</a:t>
+            </a:r>
+            <a:r>
+              <a:rPr lang="zh-CN" altLang="en-US" dirty="0" smtClean="0"/>
+              <a:t>方法</a:t>
+            </a:r>
+            <a:endParaRPr lang="en-US" altLang="zh-CN" dirty="0" smtClean="0"/>
+          </a:p>
+          <a:p>
+            <a:pPr marL="0" indent="0">
+              <a:buNone/>
+            </a:pPr>
             <a:endParaRPr lang="en-US" altLang="zh-CN" dirty="0" smtClean="0"/>
           </a:p>
           <a:p>
@@ -7360,7 +8519,912 @@
         </p:blipFill>
         <p:spPr>
           <a:xfrm>
-            <a:off x="1754372" y="2641599"/>
+            <a:off x="2548122" y="3745140"/>
+            <a:ext cx="5600700" cy="1428750"/>
+          </a:xfrm>
+          <a:prstGeom prst="rect">
+            <a:avLst/>
+          </a:prstGeom>
+        </p:spPr>
+      </p:pic>
+    </p:spTree>
+    <p:extLst>
+      <p:ext uri="{BB962C8B-B14F-4D97-AF65-F5344CB8AC3E}">
+        <p14:creationId xmlns:p14="http://schemas.microsoft.com/office/powerpoint/2010/main" val="3900662461"/>
+      </p:ext>
+    </p:extLst>
+  </p:cSld>
+  <p:clrMapOvr>
+    <a:masterClrMapping/>
+  </p:clrMapOvr>
+  <p:timing>
+    <p:tnLst>
+      <p:par>
+        <p:cTn id="1" dur="indefinite" restart="never" nodeType="tmRoot"/>
+      </p:par>
+    </p:tnLst>
+  </p:timing>
+</p:sld>
+</file>
+
+<file path=ppt/slides/slide21.xml><?xml version="1.0" encoding="utf-8"?>
+<p:sld xmlns:a="http://schemas.openxmlformats.org/drawingml/2006/main" xmlns:r="http://schemas.openxmlformats.org/officeDocument/2006/relationships" xmlns:p="http://schemas.openxmlformats.org/presentationml/2006/main">
+  <p:cSld>
+    <p:spTree>
+      <p:nvGrpSpPr>
+        <p:cNvPr id="1" name=""/>
+        <p:cNvGrpSpPr/>
+        <p:nvPr/>
+      </p:nvGrpSpPr>
+      <p:grpSpPr>
+        <a:xfrm>
+          <a:off x="0" y="0"/>
+          <a:ext cx="0" cy="0"/>
+          <a:chOff x="0" y="0"/>
+          <a:chExt cx="0" cy="0"/>
+        </a:xfrm>
+      </p:grpSpPr>
+      <p:sp>
+        <p:nvSpPr>
+          <p:cNvPr id="2" name="标题 1"/>
+          <p:cNvSpPr>
+            <a:spLocks noGrp="1"/>
+          </p:cNvSpPr>
+          <p:nvPr>
+            <p:ph type="title"/>
+          </p:nvPr>
+        </p:nvSpPr>
+        <p:spPr/>
+        <p:txBody>
+          <a:bodyPr/>
+          <a:lstStyle/>
+          <a:p>
+            <a:r>
+              <a:rPr lang="zh-CN" altLang="en-US" dirty="0"/>
+              <a:t>源码分析</a:t>
+            </a:r>
+            <a:r>
+              <a:rPr lang="en-US" altLang="zh-CN" dirty="0"/>
+              <a:t>-</a:t>
+            </a:r>
+            <a:r>
+              <a:rPr lang="en-US" altLang="zh-CN" dirty="0" err="1"/>
+              <a:t>IoC</a:t>
+            </a:r>
+            <a:r>
+              <a:rPr lang="zh-CN" altLang="en-US" dirty="0"/>
+              <a:t>中</a:t>
+            </a:r>
+            <a:r>
+              <a:rPr lang="en-US" altLang="zh-CN" dirty="0"/>
+              <a:t>Bean</a:t>
+            </a:r>
+            <a:r>
+              <a:rPr lang="zh-CN" altLang="en-US" dirty="0"/>
+              <a:t>的生命周期</a:t>
+            </a:r>
+          </a:p>
+        </p:txBody>
+      </p:sp>
+      <p:sp>
+        <p:nvSpPr>
+          <p:cNvPr id="3" name="内容占位符 2"/>
+          <p:cNvSpPr>
+            <a:spLocks noGrp="1"/>
+          </p:cNvSpPr>
+          <p:nvPr>
+            <p:ph idx="1"/>
+          </p:nvPr>
+        </p:nvSpPr>
+        <p:spPr/>
+        <p:txBody>
+          <a:bodyPr/>
+          <a:lstStyle/>
+          <a:p>
+            <a:r>
+              <a:rPr lang="en-US" altLang="zh-CN" dirty="0" smtClean="0"/>
+              <a:t>Bean</a:t>
+            </a:r>
+            <a:r>
+              <a:rPr lang="zh-CN" altLang="en-US" dirty="0" smtClean="0"/>
+              <a:t>级生命周期方法</a:t>
+            </a:r>
+            <a:r>
+              <a:rPr lang="en-US" altLang="zh-CN" dirty="0"/>
+              <a:t>2</a:t>
+            </a:r>
+            <a:endParaRPr lang="en-US" altLang="zh-CN" dirty="0" smtClean="0"/>
+          </a:p>
+          <a:p>
+            <a:endParaRPr lang="en-US" altLang="zh-CN" dirty="0" smtClean="0"/>
+          </a:p>
+          <a:p>
+            <a:r>
+              <a:rPr lang="en-US" altLang="zh-CN" dirty="0" err="1" smtClean="0"/>
+              <a:t>BeanFactoryAware</a:t>
+            </a:r>
+            <a:r>
+              <a:rPr lang="zh-CN" altLang="en-US" dirty="0" smtClean="0"/>
+              <a:t>中的</a:t>
+            </a:r>
+            <a:r>
+              <a:rPr lang="en-US" altLang="zh-CN" dirty="0" err="1" smtClean="0"/>
+              <a:t>setBeanFactory</a:t>
+            </a:r>
+            <a:r>
+              <a:rPr lang="zh-CN" altLang="en-US" dirty="0" smtClean="0"/>
+              <a:t>方法</a:t>
+            </a:r>
+            <a:endParaRPr lang="en-US" altLang="zh-CN" dirty="0" smtClean="0"/>
+          </a:p>
+          <a:p>
+            <a:pPr marL="0" indent="0">
+              <a:buNone/>
+            </a:pPr>
+            <a:endParaRPr lang="en-US" altLang="zh-CN" dirty="0" smtClean="0"/>
+          </a:p>
+          <a:p>
+            <a:endParaRPr lang="zh-CN" altLang="en-US" dirty="0"/>
+          </a:p>
+        </p:txBody>
+      </p:sp>
+      <p:pic>
+        <p:nvPicPr>
+          <p:cNvPr id="5" name="图片 4"/>
+          <p:cNvPicPr>
+            <a:picLocks noChangeAspect="1"/>
+          </p:cNvPicPr>
+          <p:nvPr/>
+        </p:nvPicPr>
+        <p:blipFill>
+          <a:blip r:embed="rId2"/>
+          <a:stretch>
+            <a:fillRect/>
+          </a:stretch>
+        </p:blipFill>
+        <p:spPr>
+          <a:xfrm>
+            <a:off x="2087948" y="3759971"/>
+            <a:ext cx="7961905" cy="1457143"/>
+          </a:xfrm>
+          <a:prstGeom prst="rect">
+            <a:avLst/>
+          </a:prstGeom>
+        </p:spPr>
+      </p:pic>
+    </p:spTree>
+    <p:extLst>
+      <p:ext uri="{BB962C8B-B14F-4D97-AF65-F5344CB8AC3E}">
+        <p14:creationId xmlns:p14="http://schemas.microsoft.com/office/powerpoint/2010/main" val="2558013297"/>
+      </p:ext>
+    </p:extLst>
+  </p:cSld>
+  <p:clrMapOvr>
+    <a:masterClrMapping/>
+  </p:clrMapOvr>
+  <p:timing>
+    <p:tnLst>
+      <p:par>
+        <p:cTn id="1" dur="indefinite" restart="never" nodeType="tmRoot"/>
+      </p:par>
+    </p:tnLst>
+  </p:timing>
+</p:sld>
+</file>
+
+<file path=ppt/slides/slide22.xml><?xml version="1.0" encoding="utf-8"?>
+<p:sld xmlns:a="http://schemas.openxmlformats.org/drawingml/2006/main" xmlns:r="http://schemas.openxmlformats.org/officeDocument/2006/relationships" xmlns:p="http://schemas.openxmlformats.org/presentationml/2006/main">
+  <p:cSld>
+    <p:spTree>
+      <p:nvGrpSpPr>
+        <p:cNvPr id="1" name=""/>
+        <p:cNvGrpSpPr/>
+        <p:nvPr/>
+      </p:nvGrpSpPr>
+      <p:grpSpPr>
+        <a:xfrm>
+          <a:off x="0" y="0"/>
+          <a:ext cx="0" cy="0"/>
+          <a:chOff x="0" y="0"/>
+          <a:chExt cx="0" cy="0"/>
+        </a:xfrm>
+      </p:grpSpPr>
+      <p:sp>
+        <p:nvSpPr>
+          <p:cNvPr id="2" name="标题 1"/>
+          <p:cNvSpPr>
+            <a:spLocks noGrp="1"/>
+          </p:cNvSpPr>
+          <p:nvPr>
+            <p:ph type="title"/>
+          </p:nvPr>
+        </p:nvSpPr>
+        <p:spPr/>
+        <p:txBody>
+          <a:bodyPr/>
+          <a:lstStyle/>
+          <a:p>
+            <a:r>
+              <a:rPr lang="zh-CN" altLang="en-US" dirty="0"/>
+              <a:t>源码分析</a:t>
+            </a:r>
+            <a:r>
+              <a:rPr lang="en-US" altLang="zh-CN" dirty="0"/>
+              <a:t>-</a:t>
+            </a:r>
+            <a:r>
+              <a:rPr lang="en-US" altLang="zh-CN" dirty="0" err="1"/>
+              <a:t>IoC</a:t>
+            </a:r>
+            <a:r>
+              <a:rPr lang="zh-CN" altLang="en-US" dirty="0"/>
+              <a:t>中</a:t>
+            </a:r>
+            <a:r>
+              <a:rPr lang="en-US" altLang="zh-CN" dirty="0"/>
+              <a:t>Bean</a:t>
+            </a:r>
+            <a:r>
+              <a:rPr lang="zh-CN" altLang="en-US" dirty="0"/>
+              <a:t>的生命周期</a:t>
+            </a:r>
+          </a:p>
+        </p:txBody>
+      </p:sp>
+      <p:sp>
+        <p:nvSpPr>
+          <p:cNvPr id="3" name="内容占位符 2"/>
+          <p:cNvSpPr>
+            <a:spLocks noGrp="1"/>
+          </p:cNvSpPr>
+          <p:nvPr>
+            <p:ph idx="1"/>
+          </p:nvPr>
+        </p:nvSpPr>
+        <p:spPr/>
+        <p:txBody>
+          <a:bodyPr/>
+          <a:lstStyle/>
+          <a:p>
+            <a:r>
+              <a:rPr lang="en-US" altLang="zh-CN" dirty="0" smtClean="0"/>
+              <a:t>Bean</a:t>
+            </a:r>
+            <a:r>
+              <a:rPr lang="zh-CN" altLang="en-US" dirty="0" smtClean="0"/>
+              <a:t>级生命周期方法</a:t>
+            </a:r>
+            <a:r>
+              <a:rPr lang="en-US" altLang="zh-CN" dirty="0"/>
+              <a:t>3</a:t>
+            </a:r>
+            <a:endParaRPr lang="en-US" altLang="zh-CN" dirty="0" smtClean="0"/>
+          </a:p>
+          <a:p>
+            <a:endParaRPr lang="en-US" altLang="zh-CN" dirty="0" smtClean="0"/>
+          </a:p>
+          <a:p>
+            <a:r>
+              <a:rPr lang="en-US" altLang="zh-CN" dirty="0" err="1" smtClean="0"/>
+              <a:t>InitializeingBean</a:t>
+            </a:r>
+            <a:r>
+              <a:rPr lang="zh-CN" altLang="en-US" dirty="0" smtClean="0"/>
+              <a:t>中的</a:t>
+            </a:r>
+            <a:r>
+              <a:rPr lang="en-US" altLang="zh-CN" dirty="0" err="1" smtClean="0"/>
+              <a:t>afterPropertiesSet</a:t>
+            </a:r>
+            <a:r>
+              <a:rPr lang="zh-CN" altLang="en-US" dirty="0" smtClean="0"/>
+              <a:t>方法</a:t>
+            </a:r>
+            <a:endParaRPr lang="en-US" altLang="zh-CN" dirty="0" smtClean="0"/>
+          </a:p>
+          <a:p>
+            <a:pPr marL="0" indent="0">
+              <a:buNone/>
+            </a:pPr>
+            <a:endParaRPr lang="en-US" altLang="zh-CN" dirty="0" smtClean="0"/>
+          </a:p>
+          <a:p>
+            <a:endParaRPr lang="zh-CN" altLang="en-US" dirty="0"/>
+          </a:p>
+        </p:txBody>
+      </p:sp>
+      <p:pic>
+        <p:nvPicPr>
+          <p:cNvPr id="5" name="图片 4"/>
+          <p:cNvPicPr>
+            <a:picLocks noChangeAspect="1"/>
+          </p:cNvPicPr>
+          <p:nvPr/>
+        </p:nvPicPr>
+        <p:blipFill>
+          <a:blip r:embed="rId2"/>
+          <a:stretch>
+            <a:fillRect/>
+          </a:stretch>
+        </p:blipFill>
+        <p:spPr>
+          <a:xfrm>
+            <a:off x="2021282" y="3918942"/>
+            <a:ext cx="8028571" cy="1371429"/>
+          </a:xfrm>
+          <a:prstGeom prst="rect">
+            <a:avLst/>
+          </a:prstGeom>
+        </p:spPr>
+      </p:pic>
+    </p:spTree>
+    <p:extLst>
+      <p:ext uri="{BB962C8B-B14F-4D97-AF65-F5344CB8AC3E}">
+        <p14:creationId xmlns:p14="http://schemas.microsoft.com/office/powerpoint/2010/main" val="3102497219"/>
+      </p:ext>
+    </p:extLst>
+  </p:cSld>
+  <p:clrMapOvr>
+    <a:masterClrMapping/>
+  </p:clrMapOvr>
+  <p:timing>
+    <p:tnLst>
+      <p:par>
+        <p:cTn id="1" dur="indefinite" restart="never" nodeType="tmRoot"/>
+      </p:par>
+    </p:tnLst>
+  </p:timing>
+</p:sld>
+</file>
+
+<file path=ppt/slides/slide23.xml><?xml version="1.0" encoding="utf-8"?>
+<p:sld xmlns:a="http://schemas.openxmlformats.org/drawingml/2006/main" xmlns:r="http://schemas.openxmlformats.org/officeDocument/2006/relationships" xmlns:p="http://schemas.openxmlformats.org/presentationml/2006/main">
+  <p:cSld>
+    <p:spTree>
+      <p:nvGrpSpPr>
+        <p:cNvPr id="1" name=""/>
+        <p:cNvGrpSpPr/>
+        <p:nvPr/>
+      </p:nvGrpSpPr>
+      <p:grpSpPr>
+        <a:xfrm>
+          <a:off x="0" y="0"/>
+          <a:ext cx="0" cy="0"/>
+          <a:chOff x="0" y="0"/>
+          <a:chExt cx="0" cy="0"/>
+        </a:xfrm>
+      </p:grpSpPr>
+      <p:sp>
+        <p:nvSpPr>
+          <p:cNvPr id="2" name="标题 1"/>
+          <p:cNvSpPr>
+            <a:spLocks noGrp="1"/>
+          </p:cNvSpPr>
+          <p:nvPr>
+            <p:ph type="title"/>
+          </p:nvPr>
+        </p:nvSpPr>
+        <p:spPr/>
+        <p:txBody>
+          <a:bodyPr/>
+          <a:lstStyle/>
+          <a:p>
+            <a:r>
+              <a:rPr lang="zh-CN" altLang="en-US" dirty="0"/>
+              <a:t>源码分析</a:t>
+            </a:r>
+            <a:r>
+              <a:rPr lang="en-US" altLang="zh-CN" dirty="0"/>
+              <a:t>-</a:t>
+            </a:r>
+            <a:r>
+              <a:rPr lang="en-US" altLang="zh-CN" dirty="0" err="1"/>
+              <a:t>IoC</a:t>
+            </a:r>
+            <a:r>
+              <a:rPr lang="zh-CN" altLang="en-US" dirty="0"/>
+              <a:t>中</a:t>
+            </a:r>
+            <a:r>
+              <a:rPr lang="en-US" altLang="zh-CN" dirty="0"/>
+              <a:t>Bean</a:t>
+            </a:r>
+            <a:r>
+              <a:rPr lang="zh-CN" altLang="en-US" dirty="0"/>
+              <a:t>的生命周期</a:t>
+            </a:r>
+          </a:p>
+        </p:txBody>
+      </p:sp>
+      <p:sp>
+        <p:nvSpPr>
+          <p:cNvPr id="3" name="内容占位符 2"/>
+          <p:cNvSpPr>
+            <a:spLocks noGrp="1"/>
+          </p:cNvSpPr>
+          <p:nvPr>
+            <p:ph idx="1"/>
+          </p:nvPr>
+        </p:nvSpPr>
+        <p:spPr/>
+        <p:txBody>
+          <a:bodyPr/>
+          <a:lstStyle/>
+          <a:p>
+            <a:r>
+              <a:rPr lang="en-US" altLang="zh-CN" dirty="0" smtClean="0"/>
+              <a:t>Bean</a:t>
+            </a:r>
+            <a:r>
+              <a:rPr lang="zh-CN" altLang="en-US" dirty="0" smtClean="0"/>
+              <a:t>级生命周期方法</a:t>
+            </a:r>
+            <a:r>
+              <a:rPr lang="en-US" altLang="zh-CN" dirty="0"/>
+              <a:t>4</a:t>
+            </a:r>
+            <a:endParaRPr lang="en-US" altLang="zh-CN" dirty="0" smtClean="0"/>
+          </a:p>
+          <a:p>
+            <a:endParaRPr lang="en-US" altLang="zh-CN" dirty="0" smtClean="0"/>
+          </a:p>
+          <a:p>
+            <a:r>
+              <a:rPr lang="en-US" altLang="zh-CN" dirty="0" err="1" smtClean="0"/>
+              <a:t>DisposableBean</a:t>
+            </a:r>
+            <a:r>
+              <a:rPr lang="zh-CN" altLang="en-US" dirty="0" smtClean="0"/>
+              <a:t>中的</a:t>
+            </a:r>
+            <a:r>
+              <a:rPr lang="en-US" altLang="zh-CN" dirty="0" smtClean="0"/>
+              <a:t>destroy</a:t>
+            </a:r>
+            <a:r>
+              <a:rPr lang="zh-CN" altLang="en-US" dirty="0" smtClean="0"/>
+              <a:t>方法</a:t>
+            </a:r>
+            <a:endParaRPr lang="en-US" altLang="zh-CN" dirty="0" smtClean="0"/>
+          </a:p>
+          <a:p>
+            <a:pPr marL="0" indent="0">
+              <a:buNone/>
+            </a:pPr>
+            <a:endParaRPr lang="en-US" altLang="zh-CN" dirty="0" smtClean="0"/>
+          </a:p>
+          <a:p>
+            <a:endParaRPr lang="zh-CN" altLang="en-US" dirty="0"/>
+          </a:p>
+        </p:txBody>
+      </p:sp>
+      <p:pic>
+        <p:nvPicPr>
+          <p:cNvPr id="5" name="图片 4"/>
+          <p:cNvPicPr>
+            <a:picLocks noChangeAspect="1"/>
+          </p:cNvPicPr>
+          <p:nvPr/>
+        </p:nvPicPr>
+        <p:blipFill>
+          <a:blip r:embed="rId2"/>
+          <a:stretch>
+            <a:fillRect/>
+          </a:stretch>
+        </p:blipFill>
+        <p:spPr>
+          <a:xfrm>
+            <a:off x="2421029" y="3804428"/>
+            <a:ext cx="5085714" cy="1571429"/>
+          </a:xfrm>
+          <a:prstGeom prst="rect">
+            <a:avLst/>
+          </a:prstGeom>
+        </p:spPr>
+      </p:pic>
+    </p:spTree>
+    <p:extLst>
+      <p:ext uri="{BB962C8B-B14F-4D97-AF65-F5344CB8AC3E}">
+        <p14:creationId xmlns:p14="http://schemas.microsoft.com/office/powerpoint/2010/main" val="2932842850"/>
+      </p:ext>
+    </p:extLst>
+  </p:cSld>
+  <p:clrMapOvr>
+    <a:masterClrMapping/>
+  </p:clrMapOvr>
+  <p:timing>
+    <p:tnLst>
+      <p:par>
+        <p:cTn id="1" dur="indefinite" restart="never" nodeType="tmRoot"/>
+      </p:par>
+    </p:tnLst>
+  </p:timing>
+</p:sld>
+</file>
+
+<file path=ppt/slides/slide24.xml><?xml version="1.0" encoding="utf-8"?>
+<p:sld xmlns:a="http://schemas.openxmlformats.org/drawingml/2006/main" xmlns:r="http://schemas.openxmlformats.org/officeDocument/2006/relationships" xmlns:p="http://schemas.openxmlformats.org/presentationml/2006/main">
+  <p:cSld>
+    <p:spTree>
+      <p:nvGrpSpPr>
+        <p:cNvPr id="1" name=""/>
+        <p:cNvGrpSpPr/>
+        <p:nvPr/>
+      </p:nvGrpSpPr>
+      <p:grpSpPr>
+        <a:xfrm>
+          <a:off x="0" y="0"/>
+          <a:ext cx="0" cy="0"/>
+          <a:chOff x="0" y="0"/>
+          <a:chExt cx="0" cy="0"/>
+        </a:xfrm>
+      </p:grpSpPr>
+      <p:sp>
+        <p:nvSpPr>
+          <p:cNvPr id="2" name="标题 1"/>
+          <p:cNvSpPr>
+            <a:spLocks noGrp="1"/>
+          </p:cNvSpPr>
+          <p:nvPr>
+            <p:ph type="title"/>
+          </p:nvPr>
+        </p:nvSpPr>
+        <p:spPr/>
+        <p:txBody>
+          <a:bodyPr/>
+          <a:lstStyle/>
+          <a:p>
+            <a:r>
+              <a:rPr lang="zh-CN" altLang="en-US" dirty="0"/>
+              <a:t>源码分析</a:t>
+            </a:r>
+            <a:r>
+              <a:rPr lang="en-US" altLang="zh-CN" dirty="0"/>
+              <a:t>-</a:t>
+            </a:r>
+            <a:r>
+              <a:rPr lang="en-US" altLang="zh-CN" dirty="0" err="1"/>
+              <a:t>IoC</a:t>
+            </a:r>
+            <a:r>
+              <a:rPr lang="zh-CN" altLang="en-US" dirty="0"/>
+              <a:t>中</a:t>
+            </a:r>
+            <a:r>
+              <a:rPr lang="en-US" altLang="zh-CN" dirty="0"/>
+              <a:t>Bean</a:t>
+            </a:r>
+            <a:r>
+              <a:rPr lang="zh-CN" altLang="en-US" dirty="0"/>
+              <a:t>的生命周期</a:t>
+            </a:r>
+          </a:p>
+        </p:txBody>
+      </p:sp>
+      <p:sp>
+        <p:nvSpPr>
+          <p:cNvPr id="3" name="内容占位符 2"/>
+          <p:cNvSpPr>
+            <a:spLocks noGrp="1"/>
+          </p:cNvSpPr>
+          <p:nvPr>
+            <p:ph idx="1"/>
+          </p:nvPr>
+        </p:nvSpPr>
+        <p:spPr/>
+        <p:txBody>
+          <a:bodyPr/>
+          <a:lstStyle/>
+          <a:p>
+            <a:r>
+              <a:rPr lang="zh-CN" altLang="en-US" dirty="0"/>
+              <a:t>容器级生命周期接口</a:t>
+            </a:r>
+            <a:r>
+              <a:rPr lang="zh-CN" altLang="en-US" dirty="0" smtClean="0"/>
+              <a:t>方法</a:t>
+            </a:r>
+            <a:r>
+              <a:rPr lang="en-US" altLang="zh-CN" dirty="0" smtClean="0"/>
+              <a:t>1:BeanPostProcessor</a:t>
+            </a:r>
+          </a:p>
+          <a:p>
+            <a:endParaRPr lang="zh-CN" altLang="en-US" dirty="0"/>
+          </a:p>
+        </p:txBody>
+      </p:sp>
+      <p:pic>
+        <p:nvPicPr>
+          <p:cNvPr id="4" name="图片 3"/>
+          <p:cNvPicPr>
+            <a:picLocks noChangeAspect="1"/>
+          </p:cNvPicPr>
+          <p:nvPr/>
+        </p:nvPicPr>
+        <p:blipFill>
+          <a:blip r:embed="rId2">
+            <a:extLst>
+              <a:ext uri="{28A0092B-C50C-407E-A947-70E740481C1C}">
+                <a14:useLocalDpi xmlns:a14="http://schemas.microsoft.com/office/drawing/2010/main" val="0"/>
+              </a:ext>
+            </a:extLst>
+          </a:blip>
+          <a:stretch>
+            <a:fillRect/>
+          </a:stretch>
+        </p:blipFill>
+        <p:spPr>
+          <a:xfrm>
+            <a:off x="2672669" y="3045758"/>
+            <a:ext cx="6962775" cy="2209800"/>
+          </a:xfrm>
+          <a:prstGeom prst="rect">
+            <a:avLst/>
+          </a:prstGeom>
+        </p:spPr>
+      </p:pic>
+    </p:spTree>
+    <p:extLst>
+      <p:ext uri="{BB962C8B-B14F-4D97-AF65-F5344CB8AC3E}">
+        <p14:creationId xmlns:p14="http://schemas.microsoft.com/office/powerpoint/2010/main" val="299897723"/>
+      </p:ext>
+    </p:extLst>
+  </p:cSld>
+  <p:clrMapOvr>
+    <a:masterClrMapping/>
+  </p:clrMapOvr>
+  <p:timing>
+    <p:tnLst>
+      <p:par>
+        <p:cTn id="1" dur="indefinite" restart="never" nodeType="tmRoot"/>
+      </p:par>
+    </p:tnLst>
+  </p:timing>
+</p:sld>
+</file>
+
+<file path=ppt/slides/slide25.xml><?xml version="1.0" encoding="utf-8"?>
+<p:sld xmlns:a="http://schemas.openxmlformats.org/drawingml/2006/main" xmlns:r="http://schemas.openxmlformats.org/officeDocument/2006/relationships" xmlns:p="http://schemas.openxmlformats.org/presentationml/2006/main">
+  <p:cSld>
+    <p:spTree>
+      <p:nvGrpSpPr>
+        <p:cNvPr id="1" name=""/>
+        <p:cNvGrpSpPr/>
+        <p:nvPr/>
+      </p:nvGrpSpPr>
+      <p:grpSpPr>
+        <a:xfrm>
+          <a:off x="0" y="0"/>
+          <a:ext cx="0" cy="0"/>
+          <a:chOff x="0" y="0"/>
+          <a:chExt cx="0" cy="0"/>
+        </a:xfrm>
+      </p:grpSpPr>
+      <p:sp>
+        <p:nvSpPr>
+          <p:cNvPr id="2" name="标题 1"/>
+          <p:cNvSpPr>
+            <a:spLocks noGrp="1"/>
+          </p:cNvSpPr>
+          <p:nvPr>
+            <p:ph type="title"/>
+          </p:nvPr>
+        </p:nvSpPr>
+        <p:spPr/>
+        <p:txBody>
+          <a:bodyPr/>
+          <a:lstStyle/>
+          <a:p>
+            <a:r>
+              <a:rPr lang="zh-CN" altLang="en-US" dirty="0"/>
+              <a:t>源码分析</a:t>
+            </a:r>
+            <a:r>
+              <a:rPr lang="en-US" altLang="zh-CN" dirty="0"/>
+              <a:t>-</a:t>
+            </a:r>
+            <a:r>
+              <a:rPr lang="en-US" altLang="zh-CN" dirty="0" err="1"/>
+              <a:t>IoC</a:t>
+            </a:r>
+            <a:r>
+              <a:rPr lang="zh-CN" altLang="en-US" dirty="0"/>
+              <a:t>中</a:t>
+            </a:r>
+            <a:r>
+              <a:rPr lang="en-US" altLang="zh-CN" dirty="0"/>
+              <a:t>Bean</a:t>
+            </a:r>
+            <a:r>
+              <a:rPr lang="zh-CN" altLang="en-US" dirty="0"/>
+              <a:t>的生命周期</a:t>
+            </a:r>
+          </a:p>
+        </p:txBody>
+      </p:sp>
+      <p:sp>
+        <p:nvSpPr>
+          <p:cNvPr id="3" name="内容占位符 2"/>
+          <p:cNvSpPr>
+            <a:spLocks noGrp="1"/>
+          </p:cNvSpPr>
+          <p:nvPr>
+            <p:ph idx="1"/>
+          </p:nvPr>
+        </p:nvSpPr>
+        <p:spPr/>
+        <p:txBody>
+          <a:bodyPr/>
+          <a:lstStyle/>
+          <a:p>
+            <a:r>
+              <a:rPr lang="zh-CN" altLang="en-US" dirty="0"/>
+              <a:t>容器级生命周期接口</a:t>
+            </a:r>
+            <a:r>
+              <a:rPr lang="zh-CN" altLang="en-US" dirty="0" smtClean="0"/>
+              <a:t>方法</a:t>
+            </a:r>
+            <a:r>
+              <a:rPr lang="en-US" altLang="zh-CN" dirty="0" smtClean="0"/>
+              <a:t>2:InstantiationAwareBeanPostProcessor</a:t>
+            </a:r>
+          </a:p>
+          <a:p>
+            <a:endParaRPr lang="en-US" altLang="zh-CN" dirty="0" smtClean="0"/>
+          </a:p>
+          <a:p>
+            <a:endParaRPr lang="zh-CN" altLang="en-US" dirty="0"/>
+          </a:p>
+        </p:txBody>
+      </p:sp>
+      <p:pic>
+        <p:nvPicPr>
+          <p:cNvPr id="9" name="图片 8"/>
+          <p:cNvPicPr>
+            <a:picLocks noChangeAspect="1"/>
+          </p:cNvPicPr>
+          <p:nvPr/>
+        </p:nvPicPr>
+        <p:blipFill>
+          <a:blip r:embed="rId2">
+            <a:extLst>
+              <a:ext uri="{28A0092B-C50C-407E-A947-70E740481C1C}">
+                <a14:useLocalDpi xmlns:a14="http://schemas.microsoft.com/office/drawing/2010/main" val="0"/>
+              </a:ext>
+            </a:extLst>
+          </a:blip>
+          <a:stretch>
+            <a:fillRect/>
+          </a:stretch>
+        </p:blipFill>
+        <p:spPr>
+          <a:xfrm>
+            <a:off x="1620228" y="2502833"/>
+            <a:ext cx="8429625" cy="3295650"/>
+          </a:xfrm>
+          <a:prstGeom prst="rect">
+            <a:avLst/>
+          </a:prstGeom>
+        </p:spPr>
+      </p:pic>
+    </p:spTree>
+    <p:extLst>
+      <p:ext uri="{BB962C8B-B14F-4D97-AF65-F5344CB8AC3E}">
+        <p14:creationId xmlns:p14="http://schemas.microsoft.com/office/powerpoint/2010/main" val="1587679388"/>
+      </p:ext>
+    </p:extLst>
+  </p:cSld>
+  <p:clrMapOvr>
+    <a:masterClrMapping/>
+  </p:clrMapOvr>
+  <p:timing>
+    <p:tnLst>
+      <p:par>
+        <p:cTn id="1" dur="indefinite" restart="never" nodeType="tmRoot"/>
+      </p:par>
+    </p:tnLst>
+  </p:timing>
+</p:sld>
+</file>
+
+<file path=ppt/slides/slide26.xml><?xml version="1.0" encoding="utf-8"?>
+<p:sld xmlns:a="http://schemas.openxmlformats.org/drawingml/2006/main" xmlns:r="http://schemas.openxmlformats.org/officeDocument/2006/relationships" xmlns:p="http://schemas.openxmlformats.org/presentationml/2006/main">
+  <p:cSld>
+    <p:spTree>
+      <p:nvGrpSpPr>
+        <p:cNvPr id="1" name=""/>
+        <p:cNvGrpSpPr/>
+        <p:nvPr/>
+      </p:nvGrpSpPr>
+      <p:grpSpPr>
+        <a:xfrm>
+          <a:off x="0" y="0"/>
+          <a:ext cx="0" cy="0"/>
+          <a:chOff x="0" y="0"/>
+          <a:chExt cx="0" cy="0"/>
+        </a:xfrm>
+      </p:grpSpPr>
+      <p:sp>
+        <p:nvSpPr>
+          <p:cNvPr id="2" name="标题 1"/>
+          <p:cNvSpPr>
+            <a:spLocks noGrp="1"/>
+          </p:cNvSpPr>
+          <p:nvPr>
+            <p:ph type="title"/>
+          </p:nvPr>
+        </p:nvSpPr>
+        <p:spPr/>
+        <p:txBody>
+          <a:bodyPr/>
+          <a:lstStyle/>
+          <a:p>
+            <a:r>
+              <a:rPr lang="en-US" altLang="zh-CN" dirty="0"/>
+              <a:t>Spring </a:t>
+            </a:r>
+            <a:r>
+              <a:rPr lang="en-US" altLang="zh-CN" dirty="0" err="1"/>
+              <a:t>IoC</a:t>
+            </a:r>
+            <a:r>
+              <a:rPr lang="zh-CN" altLang="en-US" dirty="0"/>
+              <a:t>容器使用</a:t>
+            </a:r>
+          </a:p>
+        </p:txBody>
+      </p:sp>
+      <p:sp>
+        <p:nvSpPr>
+          <p:cNvPr id="3" name="内容占位符 2"/>
+          <p:cNvSpPr>
+            <a:spLocks noGrp="1"/>
+          </p:cNvSpPr>
+          <p:nvPr>
+            <p:ph idx="1"/>
+          </p:nvPr>
+        </p:nvSpPr>
+        <p:spPr/>
+        <p:txBody>
+          <a:bodyPr/>
+          <a:lstStyle/>
+          <a:p>
+            <a:r>
+              <a:rPr lang="zh-CN" altLang="en-US" dirty="0" smtClean="0"/>
+              <a:t>很轻松，不是吗？</a:t>
+            </a:r>
+            <a:endParaRPr lang="en-US" altLang="zh-CN" dirty="0" smtClean="0"/>
+          </a:p>
+          <a:p>
+            <a:endParaRPr lang="zh-CN" altLang="en-US" dirty="0"/>
+          </a:p>
+        </p:txBody>
+      </p:sp>
+      <p:pic>
+        <p:nvPicPr>
+          <p:cNvPr id="4" name="图片 3"/>
+          <p:cNvPicPr>
+            <a:picLocks noChangeAspect="1"/>
+          </p:cNvPicPr>
+          <p:nvPr/>
+        </p:nvPicPr>
+        <p:blipFill>
+          <a:blip r:embed="rId2">
+            <a:extLst>
+              <a:ext uri="{28A0092B-C50C-407E-A947-70E740481C1C}">
+                <a14:useLocalDpi xmlns:a14="http://schemas.microsoft.com/office/drawing/2010/main" val="0"/>
+              </a:ext>
+            </a:extLst>
+          </a:blip>
+          <a:stretch>
+            <a:fillRect/>
+          </a:stretch>
+        </p:blipFill>
+        <p:spPr>
+          <a:xfrm>
+            <a:off x="1754372" y="2841269"/>
             <a:ext cx="7188200" cy="3606800"/>
           </a:xfrm>
           <a:prstGeom prst="rect">
@@ -7388,7 +9452,7 @@
 </p:sld>
 </file>
 
-<file path=ppt/slides/slide17.xml><?xml version="1.0" encoding="utf-8"?>
+<file path=ppt/slides/slide27.xml><?xml version="1.0" encoding="utf-8"?>
 <p:sld xmlns:a="http://schemas.openxmlformats.org/drawingml/2006/main" xmlns:r="http://schemas.openxmlformats.org/officeDocument/2006/relationships" xmlns:p="http://schemas.openxmlformats.org/presentationml/2006/main">
   <p:cSld>
     <p:spTree>
@@ -7432,7 +9496,6 @@
               <a:rPr lang="zh-CN" altLang="en-US" dirty="0"/>
               <a:t>容器使用</a:t>
             </a:r>
-            <a:endParaRPr lang="zh-CN" altLang="en-US" dirty="0"/>
           </a:p>
         </p:txBody>
       </p:sp>
@@ -7677,7 +9740,7 @@
 </p:sld>
 </file>
 
-<file path=ppt/slides/slide18.xml><?xml version="1.0" encoding="utf-8"?>
+<file path=ppt/slides/slide28.xml><?xml version="1.0" encoding="utf-8"?>
 <p:sld xmlns:a="http://schemas.openxmlformats.org/drawingml/2006/main" xmlns:r="http://schemas.openxmlformats.org/officeDocument/2006/relationships" xmlns:p="http://schemas.openxmlformats.org/presentationml/2006/main">
   <p:cSld>
     <p:spTree>
@@ -7837,301 +9900,6 @@
         <p:cTn id="1" dur="indefinite" restart="never" nodeType="tmRoot"/>
       </p:par>
     </p:tnLst>
-  </p:timing>
-</p:sld>
-</file>
-
-<file path=ppt/slides/slide2.xml><?xml version="1.0" encoding="utf-8"?>
-<p:sld xmlns:a="http://schemas.openxmlformats.org/drawingml/2006/main" xmlns:r="http://schemas.openxmlformats.org/officeDocument/2006/relationships" xmlns:p="http://schemas.openxmlformats.org/presentationml/2006/main">
-  <p:cSld>
-    <p:spTree>
-      <p:nvGrpSpPr>
-        <p:cNvPr id="1" name=""/>
-        <p:cNvGrpSpPr/>
-        <p:nvPr/>
-      </p:nvGrpSpPr>
-      <p:grpSpPr>
-        <a:xfrm>
-          <a:off x="0" y="0"/>
-          <a:ext cx="0" cy="0"/>
-          <a:chOff x="0" y="0"/>
-          <a:chExt cx="0" cy="0"/>
-        </a:xfrm>
-      </p:grpSpPr>
-      <p:sp>
-        <p:nvSpPr>
-          <p:cNvPr id="2" name="标题 1"/>
-          <p:cNvSpPr>
-            <a:spLocks noGrp="1"/>
-          </p:cNvSpPr>
-          <p:nvPr>
-            <p:ph type="title"/>
-          </p:nvPr>
-        </p:nvSpPr>
-        <p:spPr/>
-        <p:txBody>
-          <a:bodyPr/>
-          <a:lstStyle/>
-          <a:p>
-            <a:r>
-              <a:rPr lang="en-US" altLang="zh-CN" dirty="0" err="1" smtClean="0"/>
-              <a:t>IoC</a:t>
-            </a:r>
-            <a:r>
-              <a:rPr lang="zh-CN" altLang="en-US" dirty="0" smtClean="0"/>
-              <a:t>原理概述</a:t>
-            </a:r>
-            <a:endParaRPr lang="zh-CN" altLang="en-US" dirty="0"/>
-          </a:p>
-        </p:txBody>
-      </p:sp>
-      <p:pic>
-        <p:nvPicPr>
-          <p:cNvPr id="4" name="内容占位符 3"/>
-          <p:cNvPicPr>
-            <a:picLocks noGrp="1" noChangeAspect="1"/>
-          </p:cNvPicPr>
-          <p:nvPr>
-            <p:ph idx="1"/>
-          </p:nvPr>
-        </p:nvPicPr>
-        <p:blipFill>
-          <a:blip r:embed="rId2">
-            <a:extLst>
-              <a:ext uri="{28A0092B-C50C-407E-A947-70E740481C1C}">
-                <a14:useLocalDpi xmlns:a14="http://schemas.microsoft.com/office/drawing/2010/main" val="0"/>
-              </a:ext>
-            </a:extLst>
-          </a:blip>
-          <a:stretch>
-            <a:fillRect/>
-          </a:stretch>
-        </p:blipFill>
-        <p:spPr>
-          <a:xfrm>
-            <a:off x="881573" y="2219235"/>
-            <a:ext cx="4368254" cy="2552381"/>
-          </a:xfrm>
-        </p:spPr>
-      </p:pic>
-      <p:pic>
-        <p:nvPicPr>
-          <p:cNvPr id="6" name="图片 5"/>
-          <p:cNvPicPr>
-            <a:picLocks noChangeAspect="1"/>
-          </p:cNvPicPr>
-          <p:nvPr/>
-        </p:nvPicPr>
-        <p:blipFill>
-          <a:blip r:embed="rId3">
-            <a:extLst>
-              <a:ext uri="{28A0092B-C50C-407E-A947-70E740481C1C}">
-                <a14:useLocalDpi xmlns:a14="http://schemas.microsoft.com/office/drawing/2010/main" val="0"/>
-              </a:ext>
-            </a:extLst>
-          </a:blip>
-          <a:stretch>
-            <a:fillRect/>
-          </a:stretch>
-        </p:blipFill>
-        <p:spPr>
-          <a:xfrm>
-            <a:off x="7836791" y="2270029"/>
-            <a:ext cx="3669841" cy="2501587"/>
-          </a:xfrm>
-          <a:prstGeom prst="rect">
-            <a:avLst/>
-          </a:prstGeom>
-        </p:spPr>
-      </p:pic>
-      <p:sp>
-        <p:nvSpPr>
-          <p:cNvPr id="10" name="右箭头 9"/>
-          <p:cNvSpPr/>
-          <p:nvPr/>
-        </p:nvSpPr>
-        <p:spPr>
-          <a:xfrm>
-            <a:off x="5574318" y="3175501"/>
-            <a:ext cx="1937982" cy="639847"/>
-          </a:xfrm>
-          <a:prstGeom prst="rightArrow">
-            <a:avLst/>
-          </a:prstGeom>
-        </p:spPr>
-        <p:style>
-          <a:lnRef idx="2">
-            <a:schemeClr val="accent5">
-              <a:shade val="50000"/>
-            </a:schemeClr>
-          </a:lnRef>
-          <a:fillRef idx="1">
-            <a:schemeClr val="accent5"/>
-          </a:fillRef>
-          <a:effectRef idx="0">
-            <a:schemeClr val="accent5"/>
-          </a:effectRef>
-          <a:fontRef idx="minor">
-            <a:schemeClr val="lt1"/>
-          </a:fontRef>
-        </p:style>
-        <p:txBody>
-          <a:bodyPr rtlCol="0" anchor="ctr"/>
-          <a:lstStyle/>
-          <a:p>
-            <a:pPr algn="ctr"/>
-            <a:endParaRPr lang="zh-CN" altLang="en-US"/>
-          </a:p>
-        </p:txBody>
-      </p:sp>
-    </p:spTree>
-    <p:extLst>
-      <p:ext uri="{BB962C8B-B14F-4D97-AF65-F5344CB8AC3E}">
-        <p14:creationId xmlns:p14="http://schemas.microsoft.com/office/powerpoint/2010/main" val="3879140962"/>
-      </p:ext>
-    </p:extLst>
-  </p:cSld>
-  <p:clrMapOvr>
-    <a:masterClrMapping/>
-  </p:clrMapOvr>
-  <p:timing>
-    <p:tnLst>
-      <p:par>
-        <p:cTn id="1" dur="indefinite" restart="never" nodeType="tmRoot">
-          <p:childTnLst>
-            <p:seq concurrent="1" nextAc="seek">
-              <p:cTn id="2" dur="indefinite" nodeType="mainSeq">
-                <p:childTnLst>
-                  <p:par>
-                    <p:cTn id="3" fill="hold">
-                      <p:stCondLst>
-                        <p:cond delay="indefinite"/>
-                      </p:stCondLst>
-                      <p:childTnLst>
-                        <p:par>
-                          <p:cTn id="4" fill="hold">
-                            <p:stCondLst>
-                              <p:cond delay="0"/>
-                            </p:stCondLst>
-                            <p:childTnLst>
-                              <p:par>
-                                <p:cTn id="5" presetID="10" presetClass="entr" presetSubtype="0" fill="hold" nodeType="clickEffect">
-                                  <p:stCondLst>
-                                    <p:cond delay="0"/>
-                                  </p:stCondLst>
-                                  <p:childTnLst>
-                                    <p:set>
-                                      <p:cBhvr>
-                                        <p:cTn id="6" dur="1" fill="hold">
-                                          <p:stCondLst>
-                                            <p:cond delay="0"/>
-                                          </p:stCondLst>
-                                        </p:cTn>
-                                        <p:tgtEl>
-                                          <p:spTgt spid="6"/>
-                                        </p:tgtEl>
-                                        <p:attrNameLst>
-                                          <p:attrName>style.visibility</p:attrName>
-                                        </p:attrNameLst>
-                                      </p:cBhvr>
-                                      <p:to>
-                                        <p:strVal val="visible"/>
-                                      </p:to>
-                                    </p:set>
-                                    <p:animEffect transition="in" filter="fade">
-                                      <p:cBhvr>
-                                        <p:cTn id="7" dur="500"/>
-                                        <p:tgtEl>
-                                          <p:spTgt spid="6"/>
-                                        </p:tgtEl>
-                                      </p:cBhvr>
-                                    </p:animEffect>
-                                  </p:childTnLst>
-                                </p:cTn>
-                              </p:par>
-                            </p:childTnLst>
-                          </p:cTn>
-                        </p:par>
-                      </p:childTnLst>
-                    </p:cTn>
-                  </p:par>
-                  <p:par>
-                    <p:cTn id="8" fill="hold">
-                      <p:stCondLst>
-                        <p:cond delay="indefinite"/>
-                      </p:stCondLst>
-                      <p:childTnLst>
-                        <p:par>
-                          <p:cTn id="9" fill="hold">
-                            <p:stCondLst>
-                              <p:cond delay="0"/>
-                            </p:stCondLst>
-                            <p:childTnLst>
-                              <p:par>
-                                <p:cTn id="10" presetID="10" presetClass="entr" presetSubtype="0" fill="hold" grpId="0" nodeType="clickEffect">
-                                  <p:stCondLst>
-                                    <p:cond delay="0"/>
-                                  </p:stCondLst>
-                                  <p:childTnLst>
-                                    <p:set>
-                                      <p:cBhvr>
-                                        <p:cTn id="11" dur="1" fill="hold">
-                                          <p:stCondLst>
-                                            <p:cond delay="0"/>
-                                          </p:stCondLst>
-                                        </p:cTn>
-                                        <p:tgtEl>
-                                          <p:spTgt spid="10"/>
-                                        </p:tgtEl>
-                                        <p:attrNameLst>
-                                          <p:attrName>style.visibility</p:attrName>
-                                        </p:attrNameLst>
-                                      </p:cBhvr>
-                                      <p:to>
-                                        <p:strVal val="visible"/>
-                                      </p:to>
-                                    </p:set>
-                                    <p:animEffect transition="in" filter="fade">
-                                      <p:cBhvr>
-                                        <p:cTn id="12" dur="500"/>
-                                        <p:tgtEl>
-                                          <p:spTgt spid="10"/>
-                                        </p:tgtEl>
-                                      </p:cBhvr>
-                                    </p:animEffect>
-                                  </p:childTnLst>
-                                </p:cTn>
-                              </p:par>
-                            </p:childTnLst>
-                          </p:cTn>
-                        </p:par>
-                      </p:childTnLst>
-                    </p:cTn>
-                  </p:par>
-                </p:childTnLst>
-              </p:cTn>
-              <p:prevCondLst>
-                <p:cond evt="onPrev" delay="0">
-                  <p:tgtEl>
-                    <p:sldTgt/>
-                  </p:tgtEl>
-                </p:cond>
-              </p:prevCondLst>
-              <p:nextCondLst>
-                <p:cond evt="onNext" delay="0">
-                  <p:tgtEl>
-                    <p:sldTgt/>
-                  </p:tgtEl>
-                </p:cond>
-              </p:nextCondLst>
-            </p:seq>
-          </p:childTnLst>
-        </p:cTn>
-      </p:par>
-    </p:tnLst>
-    <p:bldLst>
-      <p:bldP spid="10" grpId="0" animBg="1"/>
-    </p:bldLst>
   </p:timing>
 </p:sld>
 </file>
@@ -8867,7 +10635,22 @@
           <a:bodyPr/>
           <a:lstStyle/>
           <a:p>
-            <a:endParaRPr lang="zh-CN" altLang="en-US"/>
+            <a:r>
+              <a:rPr lang="en-US" altLang="zh-CN" dirty="0"/>
+              <a:t>Spring</a:t>
+            </a:r>
+            <a:r>
+              <a:rPr lang="zh-CN" altLang="en-US" dirty="0"/>
+              <a:t>中的</a:t>
+            </a:r>
+            <a:r>
+              <a:rPr lang="en-US" altLang="zh-CN" dirty="0" err="1"/>
+              <a:t>IoC</a:t>
+            </a:r>
+            <a:r>
+              <a:rPr lang="zh-CN" altLang="en-US" dirty="0"/>
+              <a:t>容器描述</a:t>
+            </a:r>
           </a:p>
         </p:txBody>
       </p:sp>
@@ -8927,7 +10710,7 @@
         </p:blipFill>
         <p:spPr>
           <a:xfrm>
-            <a:off x="547382" y="2052918"/>
+            <a:off x="646111" y="2052918"/>
             <a:ext cx="10058400" cy="3638144"/>
           </a:xfrm>
           <a:prstGeom prst="rect">
@@ -9169,11 +10952,7 @@
           <a:lstStyle/>
           <a:p>
             <a:r>
-              <a:rPr lang="en-US" altLang="zh-CN" dirty="0"/>
-              <a:t> </a:t>
-            </a:r>
-            <a:r>
-              <a:rPr lang="en-US" altLang="zh-CN" dirty="0" err="1"/>
+              <a:rPr lang="en-US" altLang="zh-CN" dirty="0" err="1" smtClean="0"/>
               <a:t>IoC</a:t>
             </a:r>
             <a:r>
